--- a/docs/diagrams/UndoRedoSequenceDiagram.pptx
+++ b/docs/diagrams/UndoRedoSequenceDiagram.pptx
@@ -126,10 +126,6 @@
 </p:presentation>
 </file>
 
-<file path=ppt/revisionInfo.xml><?xml version="1.0" encoding="utf-8"?>
-<p1510:revInfo xmlns:a="http://schemas.openxmlformats.org/drawingml/2006/main" xmlns:r="http://schemas.openxmlformats.org/officeDocument/2006/relationships" xmlns:p1510="http://schemas.microsoft.com/office/powerpoint/2015/10/main"/>
-</file>
-
 <file path=ppt/notesMasters/notesMaster1.xml><?xml version="1.0" encoding="utf-8"?>
 <p:notesMaster xmlns:a="http://schemas.openxmlformats.org/drawingml/2006/main" xmlns:r="http://schemas.openxmlformats.org/officeDocument/2006/relationships" xmlns:p="http://schemas.openxmlformats.org/presentationml/2006/main">
   <p:cSld>
@@ -212,7 +208,7 @@
           <a:p>
             <a:fld id="{F5CC4B3F-88C1-4FFA-B1B6-F41C21DC6924}" type="datetimeFigureOut">
               <a:rPr lang="en-US" smtClean="0"/>
-              <a:t>7/6/2018</a:t>
+              <a:t>3/26/2019</a:t>
             </a:fld>
             <a:endParaRPr lang="en-US"/>
           </a:p>
@@ -658,7 +654,7 @@
           <a:p>
             <a:fld id="{78C97017-6FC3-485B-9764-EAC9E56C1D49}" type="datetimeFigureOut">
               <a:rPr lang="en-US" smtClean="0"/>
-              <a:t>7/6/2018</a:t>
+              <a:t>3/26/2019</a:t>
             </a:fld>
             <a:endParaRPr lang="en-US"/>
           </a:p>
@@ -826,7 +822,7 @@
           <a:p>
             <a:fld id="{78C97017-6FC3-485B-9764-EAC9E56C1D49}" type="datetimeFigureOut">
               <a:rPr lang="en-US" smtClean="0"/>
-              <a:t>7/6/2018</a:t>
+              <a:t>3/26/2019</a:t>
             </a:fld>
             <a:endParaRPr lang="en-US"/>
           </a:p>
@@ -1004,7 +1000,7 @@
           <a:p>
             <a:fld id="{78C97017-6FC3-485B-9764-EAC9E56C1D49}" type="datetimeFigureOut">
               <a:rPr lang="en-US" smtClean="0"/>
-              <a:t>7/6/2018</a:t>
+              <a:t>3/26/2019</a:t>
             </a:fld>
             <a:endParaRPr lang="en-US"/>
           </a:p>
@@ -1172,7 +1168,7 @@
           <a:p>
             <a:fld id="{78C97017-6FC3-485B-9764-EAC9E56C1D49}" type="datetimeFigureOut">
               <a:rPr lang="en-US" smtClean="0"/>
-              <a:t>7/6/2018</a:t>
+              <a:t>3/26/2019</a:t>
             </a:fld>
             <a:endParaRPr lang="en-US"/>
           </a:p>
@@ -1417,7 +1413,7 @@
           <a:p>
             <a:fld id="{78C97017-6FC3-485B-9764-EAC9E56C1D49}" type="datetimeFigureOut">
               <a:rPr lang="en-US" smtClean="0"/>
-              <a:t>7/6/2018</a:t>
+              <a:t>3/26/2019</a:t>
             </a:fld>
             <a:endParaRPr lang="en-US"/>
           </a:p>
@@ -1702,7 +1698,7 @@
           <a:p>
             <a:fld id="{78C97017-6FC3-485B-9764-EAC9E56C1D49}" type="datetimeFigureOut">
               <a:rPr lang="en-US" smtClean="0"/>
-              <a:t>7/6/2018</a:t>
+              <a:t>3/26/2019</a:t>
             </a:fld>
             <a:endParaRPr lang="en-US"/>
           </a:p>
@@ -2121,7 +2117,7 @@
           <a:p>
             <a:fld id="{78C97017-6FC3-485B-9764-EAC9E56C1D49}" type="datetimeFigureOut">
               <a:rPr lang="en-US" smtClean="0"/>
-              <a:t>7/6/2018</a:t>
+              <a:t>3/26/2019</a:t>
             </a:fld>
             <a:endParaRPr lang="en-US"/>
           </a:p>
@@ -2238,7 +2234,7 @@
           <a:p>
             <a:fld id="{78C97017-6FC3-485B-9764-EAC9E56C1D49}" type="datetimeFigureOut">
               <a:rPr lang="en-US" smtClean="0"/>
-              <a:t>7/6/2018</a:t>
+              <a:t>3/26/2019</a:t>
             </a:fld>
             <a:endParaRPr lang="en-US"/>
           </a:p>
@@ -2333,7 +2329,7 @@
           <a:p>
             <a:fld id="{78C97017-6FC3-485B-9764-EAC9E56C1D49}" type="datetimeFigureOut">
               <a:rPr lang="en-US" smtClean="0"/>
-              <a:t>7/6/2018</a:t>
+              <a:t>3/26/2019</a:t>
             </a:fld>
             <a:endParaRPr lang="en-US"/>
           </a:p>
@@ -2608,7 +2604,7 @@
           <a:p>
             <a:fld id="{78C97017-6FC3-485B-9764-EAC9E56C1D49}" type="datetimeFigureOut">
               <a:rPr lang="en-US" smtClean="0"/>
-              <a:t>7/6/2018</a:t>
+              <a:t>3/26/2019</a:t>
             </a:fld>
             <a:endParaRPr lang="en-US"/>
           </a:p>
@@ -2860,7 +2856,7 @@
           <a:p>
             <a:fld id="{78C97017-6FC3-485B-9764-EAC9E56C1D49}" type="datetimeFigureOut">
               <a:rPr lang="en-US" smtClean="0"/>
-              <a:t>7/6/2018</a:t>
+              <a:t>3/26/2019</a:t>
             </a:fld>
             <a:endParaRPr lang="en-US"/>
           </a:p>
@@ -3071,7 +3067,7 @@
           <a:p>
             <a:fld id="{78C97017-6FC3-485B-9764-EAC9E56C1D49}" type="datetimeFigureOut">
               <a:rPr lang="en-US" smtClean="0"/>
-              <a:t>7/6/2018</a:t>
+              <a:t>3/26/2019</a:t>
             </a:fld>
             <a:endParaRPr lang="en-US"/>
           </a:p>
@@ -3770,18 +3766,18 @@
                   <a:schemeClr val="bg1"/>
                 </a:solidFill>
               </a:rPr>
-              <a:t>:Address</a:t>
+              <a:t>:Project</a:t>
             </a:r>
           </a:p>
           <a:p>
             <a:pPr algn="ctr"/>
             <a:r>
-              <a:rPr lang="en-US" sz="1600" dirty="0" err="1">
+              <a:rPr lang="en-US" sz="1600" dirty="0">
                 <a:solidFill>
                   <a:schemeClr val="bg1"/>
                 </a:solidFill>
               </a:rPr>
-              <a:t>BookParser</a:t>
+              <a:t>Parser</a:t>
             </a:r>
             <a:endParaRPr lang="en-SG" sz="1600" dirty="0">
               <a:solidFill>
@@ -4327,7 +4323,7 @@
                   <a:srgbClr val="7030A0"/>
                 </a:solidFill>
               </a:rPr>
-              <a:t>AddressBook</a:t>
+              <a:t>Project</a:t>
             </a:r>
             <a:r>
               <a:rPr lang="en-US" sz="1200" dirty="0">
@@ -4522,7 +4518,7 @@
                   <a:schemeClr val="bg1"/>
                 </a:solidFill>
               </a:rPr>
-              <a:t>VersionedAddressBook</a:t>
+              <a:t>VersionedProject</a:t>
             </a:r>
             <a:endParaRPr lang="en-SG" sz="1600" dirty="0">
               <a:solidFill>
@@ -5104,7 +5100,7 @@
                   <a:srgbClr val="7030A0"/>
                 </a:solidFill>
               </a:rPr>
-              <a:t>ReadOnlyAddressBook</a:t>
+              <a:t>ReadOnlyProject</a:t>
             </a:r>
             <a:r>
               <a:rPr lang="en-US" sz="1200" dirty="0">

--- a/docs/diagrams/UndoRedoSequenceDiagram.pptx
+++ b/docs/diagrams/UndoRedoSequenceDiagram.pptx
@@ -5,10 +5,11 @@
     <p:sldMasterId id="2147483648" r:id="rId1"/>
   </p:sldMasterIdLst>
   <p:notesMasterIdLst>
-    <p:notesMasterId r:id="rId3"/>
+    <p:notesMasterId r:id="rId4"/>
   </p:notesMasterIdLst>
   <p:sldIdLst>
     <p:sldId id="267" r:id="rId2"/>
+    <p:sldId id="268" r:id="rId3"/>
   </p:sldIdLst>
   <p:sldSz cx="9144000" cy="6858000" type="screen4x3"/>
   <p:notesSz cx="6858000" cy="9144000"/>
@@ -208,7 +209,7 @@
           <a:p>
             <a:fld id="{F5CC4B3F-88C1-4FFA-B1B6-F41C21DC6924}" type="datetimeFigureOut">
               <a:rPr lang="en-US" smtClean="0"/>
-              <a:t>3/26/2019</a:t>
+              <a:t>3/31/2019</a:t>
             </a:fld>
             <a:endParaRPr lang="en-US"/>
           </a:p>
@@ -654,7 +655,7 @@
           <a:p>
             <a:fld id="{78C97017-6FC3-485B-9764-EAC9E56C1D49}" type="datetimeFigureOut">
               <a:rPr lang="en-US" smtClean="0"/>
-              <a:t>3/26/2019</a:t>
+              <a:t>3/31/2019</a:t>
             </a:fld>
             <a:endParaRPr lang="en-US"/>
           </a:p>
@@ -822,7 +823,7 @@
           <a:p>
             <a:fld id="{78C97017-6FC3-485B-9764-EAC9E56C1D49}" type="datetimeFigureOut">
               <a:rPr lang="en-US" smtClean="0"/>
-              <a:t>3/26/2019</a:t>
+              <a:t>3/31/2019</a:t>
             </a:fld>
             <a:endParaRPr lang="en-US"/>
           </a:p>
@@ -1000,7 +1001,7 @@
           <a:p>
             <a:fld id="{78C97017-6FC3-485B-9764-EAC9E56C1D49}" type="datetimeFigureOut">
               <a:rPr lang="en-US" smtClean="0"/>
-              <a:t>3/26/2019</a:t>
+              <a:t>3/31/2019</a:t>
             </a:fld>
             <a:endParaRPr lang="en-US"/>
           </a:p>
@@ -1168,7 +1169,7 @@
           <a:p>
             <a:fld id="{78C97017-6FC3-485B-9764-EAC9E56C1D49}" type="datetimeFigureOut">
               <a:rPr lang="en-US" smtClean="0"/>
-              <a:t>3/26/2019</a:t>
+              <a:t>3/31/2019</a:t>
             </a:fld>
             <a:endParaRPr lang="en-US"/>
           </a:p>
@@ -1413,7 +1414,7 @@
           <a:p>
             <a:fld id="{78C97017-6FC3-485B-9764-EAC9E56C1D49}" type="datetimeFigureOut">
               <a:rPr lang="en-US" smtClean="0"/>
-              <a:t>3/26/2019</a:t>
+              <a:t>3/31/2019</a:t>
             </a:fld>
             <a:endParaRPr lang="en-US"/>
           </a:p>
@@ -1698,7 +1699,7 @@
           <a:p>
             <a:fld id="{78C97017-6FC3-485B-9764-EAC9E56C1D49}" type="datetimeFigureOut">
               <a:rPr lang="en-US" smtClean="0"/>
-              <a:t>3/26/2019</a:t>
+              <a:t>3/31/2019</a:t>
             </a:fld>
             <a:endParaRPr lang="en-US"/>
           </a:p>
@@ -2117,7 +2118,7 @@
           <a:p>
             <a:fld id="{78C97017-6FC3-485B-9764-EAC9E56C1D49}" type="datetimeFigureOut">
               <a:rPr lang="en-US" smtClean="0"/>
-              <a:t>3/26/2019</a:t>
+              <a:t>3/31/2019</a:t>
             </a:fld>
             <a:endParaRPr lang="en-US"/>
           </a:p>
@@ -2234,7 +2235,7 @@
           <a:p>
             <a:fld id="{78C97017-6FC3-485B-9764-EAC9E56C1D49}" type="datetimeFigureOut">
               <a:rPr lang="en-US" smtClean="0"/>
-              <a:t>3/26/2019</a:t>
+              <a:t>3/31/2019</a:t>
             </a:fld>
             <a:endParaRPr lang="en-US"/>
           </a:p>
@@ -2329,7 +2330,7 @@
           <a:p>
             <a:fld id="{78C97017-6FC3-485B-9764-EAC9E56C1D49}" type="datetimeFigureOut">
               <a:rPr lang="en-US" smtClean="0"/>
-              <a:t>3/26/2019</a:t>
+              <a:t>3/31/2019</a:t>
             </a:fld>
             <a:endParaRPr lang="en-US"/>
           </a:p>
@@ -2604,7 +2605,7 @@
           <a:p>
             <a:fld id="{78C97017-6FC3-485B-9764-EAC9E56C1D49}" type="datetimeFigureOut">
               <a:rPr lang="en-US" smtClean="0"/>
-              <a:t>3/26/2019</a:t>
+              <a:t>3/31/2019</a:t>
             </a:fld>
             <a:endParaRPr lang="en-US"/>
           </a:p>
@@ -2856,7 +2857,7 @@
           <a:p>
             <a:fld id="{78C97017-6FC3-485B-9764-EAC9E56C1D49}" type="datetimeFigureOut">
               <a:rPr lang="en-US" smtClean="0"/>
-              <a:t>3/26/2019</a:t>
+              <a:t>3/31/2019</a:t>
             </a:fld>
             <a:endParaRPr lang="en-US"/>
           </a:p>
@@ -3067,7 +3068,7 @@
           <a:p>
             <a:fld id="{78C97017-6FC3-485B-9764-EAC9E56C1D49}" type="datetimeFigureOut">
               <a:rPr lang="en-US" smtClean="0"/>
-              <a:t>3/26/2019</a:t>
+              <a:t>3/31/2019</a:t>
             </a:fld>
             <a:endParaRPr lang="en-US"/>
           </a:p>
@@ -5390,6 +5391,2348 @@
     <p:extLst>
       <p:ext uri="{BB962C8B-B14F-4D97-AF65-F5344CB8AC3E}">
         <p14:creationId xmlns:p14="http://schemas.microsoft.com/office/powerpoint/2010/main" val="3945898909"/>
+      </p:ext>
+    </p:extLst>
+  </p:cSld>
+  <p:clrMapOvr>
+    <a:masterClrMapping/>
+  </p:clrMapOvr>
+</p:sld>
+</file>
+
+<file path=ppt/slides/slide2.xml><?xml version="1.0" encoding="utf-8"?>
+<p:sld xmlns:a="http://schemas.openxmlformats.org/drawingml/2006/main" xmlns:r="http://schemas.openxmlformats.org/officeDocument/2006/relationships" xmlns:p="http://schemas.openxmlformats.org/presentationml/2006/main">
+  <p:cSld>
+    <p:spTree>
+      <p:nvGrpSpPr>
+        <p:cNvPr id="1" name=""/>
+        <p:cNvGrpSpPr/>
+        <p:nvPr/>
+      </p:nvGrpSpPr>
+      <p:grpSpPr>
+        <a:xfrm>
+          <a:off x="0" y="0"/>
+          <a:ext cx="0" cy="0"/>
+          <a:chOff x="0" y="0"/>
+          <a:chExt cx="0" cy="0"/>
+        </a:xfrm>
+      </p:grpSpPr>
+      <p:sp>
+        <p:nvSpPr>
+          <p:cNvPr id="4" name="Rectangle 65">
+            <a:extLst>
+              <a:ext uri="{FF2B5EF4-FFF2-40B4-BE49-F238E27FC236}">
+                <a16:creationId xmlns:a16="http://schemas.microsoft.com/office/drawing/2014/main" id="{F9E5BE46-0CFE-4D7F-83E2-8EBAB064AF82}"/>
+              </a:ext>
+            </a:extLst>
+          </p:cNvPr>
+          <p:cNvSpPr/>
+          <p:nvPr/>
+        </p:nvSpPr>
+        <p:spPr>
+          <a:xfrm>
+            <a:off x="467812" y="163017"/>
+            <a:ext cx="8752387" cy="6390177"/>
+          </a:xfrm>
+          <a:prstGeom prst="roundRect">
+            <a:avLst>
+              <a:gd name="adj" fmla="val 3484"/>
+            </a:avLst>
+          </a:prstGeom>
+          <a:solidFill>
+            <a:schemeClr val="accent1">
+              <a:lumMod val="20000"/>
+              <a:lumOff val="80000"/>
+            </a:schemeClr>
+          </a:solidFill>
+          <a:ln w="19050">
+            <a:noFill/>
+          </a:ln>
+          <a:effectLst/>
+        </p:spPr>
+        <p:style>
+          <a:lnRef idx="1">
+            <a:schemeClr val="accent2"/>
+          </a:lnRef>
+          <a:fillRef idx="2">
+            <a:schemeClr val="accent2"/>
+          </a:fillRef>
+          <a:effectRef idx="1">
+            <a:schemeClr val="accent2"/>
+          </a:effectRef>
+          <a:fontRef idx="minor">
+            <a:schemeClr val="dk1"/>
+          </a:fontRef>
+        </p:style>
+        <p:txBody>
+          <a:bodyPr rtlCol="0" anchor="t"/>
+          <a:lstStyle/>
+          <a:p>
+            <a:r>
+              <a:rPr lang="en-US" sz="1200" b="1">
+                <a:solidFill>
+                  <a:srgbClr val="0070C0"/>
+                </a:solidFill>
+              </a:rPr>
+              <a:t>Logic</a:t>
+            </a:r>
+            <a:endParaRPr lang="en-SG" sz="1200" b="1" dirty="0">
+              <a:solidFill>
+                <a:srgbClr val="0070C0"/>
+              </a:solidFill>
+            </a:endParaRPr>
+          </a:p>
+        </p:txBody>
+      </p:sp>
+      <p:sp>
+        <p:nvSpPr>
+          <p:cNvPr id="5" name="Rectangle 62">
+            <a:extLst>
+              <a:ext uri="{FF2B5EF4-FFF2-40B4-BE49-F238E27FC236}">
+                <a16:creationId xmlns:a16="http://schemas.microsoft.com/office/drawing/2014/main" id="{434A12B4-0819-4649-B047-D7EAD65066B1}"/>
+              </a:ext>
+            </a:extLst>
+          </p:cNvPr>
+          <p:cNvSpPr/>
+          <p:nvPr/>
+        </p:nvSpPr>
+        <p:spPr>
+          <a:xfrm>
+            <a:off x="883145" y="543946"/>
+            <a:ext cx="1455629" cy="346760"/>
+          </a:xfrm>
+          <a:prstGeom prst="rect">
+            <a:avLst/>
+          </a:prstGeom>
+          <a:solidFill>
+            <a:srgbClr val="0070C0"/>
+          </a:solidFill>
+          <a:ln w="19050">
+            <a:solidFill>
+              <a:srgbClr val="0070C0"/>
+            </a:solidFill>
+          </a:ln>
+          <a:effectLst/>
+        </p:spPr>
+        <p:style>
+          <a:lnRef idx="1">
+            <a:schemeClr val="accent2"/>
+          </a:lnRef>
+          <a:fillRef idx="2">
+            <a:schemeClr val="accent2"/>
+          </a:fillRef>
+          <a:effectRef idx="1">
+            <a:schemeClr val="accent2"/>
+          </a:effectRef>
+          <a:fontRef idx="minor">
+            <a:schemeClr val="dk1"/>
+          </a:fontRef>
+        </p:style>
+        <p:txBody>
+          <a:bodyPr rtlCol="0" anchor="ctr"/>
+          <a:lstStyle/>
+          <a:p>
+            <a:pPr algn="ctr"/>
+            <a:r>
+              <a:rPr lang="en-US" sz="1600" dirty="0">
+                <a:solidFill>
+                  <a:schemeClr val="bg1"/>
+                </a:solidFill>
+              </a:rPr>
+              <a:t>:</a:t>
+            </a:r>
+            <a:r>
+              <a:rPr lang="en-US" sz="1600" dirty="0" err="1">
+                <a:solidFill>
+                  <a:schemeClr val="bg1"/>
+                </a:solidFill>
+              </a:rPr>
+              <a:t>LogicManager</a:t>
+            </a:r>
+            <a:endParaRPr lang="en-SG" sz="1600" dirty="0">
+              <a:solidFill>
+                <a:schemeClr val="bg1"/>
+              </a:solidFill>
+            </a:endParaRPr>
+          </a:p>
+        </p:txBody>
+      </p:sp>
+      <p:cxnSp>
+        <p:nvCxnSpPr>
+          <p:cNvPr id="6" name="Straight Connector 5">
+            <a:extLst>
+              <a:ext uri="{FF2B5EF4-FFF2-40B4-BE49-F238E27FC236}">
+                <a16:creationId xmlns:a16="http://schemas.microsoft.com/office/drawing/2014/main" id="{197219B0-9C44-4402-9B0E-71602B21F85C}"/>
+              </a:ext>
+            </a:extLst>
+          </p:cNvPr>
+          <p:cNvCxnSpPr>
+            <a:cxnSpLocks/>
+          </p:cNvCxnSpPr>
+          <p:nvPr/>
+        </p:nvCxnSpPr>
+        <p:spPr>
+          <a:xfrm>
+            <a:off x="1610959" y="907617"/>
+            <a:ext cx="0" cy="3481399"/>
+          </a:xfrm>
+          <a:prstGeom prst="line">
+            <a:avLst/>
+          </a:prstGeom>
+          <a:ln w="19050">
+            <a:solidFill>
+              <a:srgbClr val="0070C0"/>
+            </a:solidFill>
+            <a:prstDash val="sysDash"/>
+          </a:ln>
+          <a:effectLst/>
+        </p:spPr>
+        <p:style>
+          <a:lnRef idx="1">
+            <a:schemeClr val="accent1"/>
+          </a:lnRef>
+          <a:fillRef idx="2">
+            <a:schemeClr val="accent1"/>
+          </a:fillRef>
+          <a:effectRef idx="1">
+            <a:schemeClr val="accent1"/>
+          </a:effectRef>
+          <a:fontRef idx="minor">
+            <a:schemeClr val="dk1"/>
+          </a:fontRef>
+        </p:style>
+      </p:cxnSp>
+      <p:sp>
+        <p:nvSpPr>
+          <p:cNvPr id="7" name="Rectangle 6">
+            <a:extLst>
+              <a:ext uri="{FF2B5EF4-FFF2-40B4-BE49-F238E27FC236}">
+                <a16:creationId xmlns:a16="http://schemas.microsoft.com/office/drawing/2014/main" id="{FAF4A9CF-6BC6-44A0-A529-5C44E0244426}"/>
+              </a:ext>
+            </a:extLst>
+          </p:cNvPr>
+          <p:cNvSpPr/>
+          <p:nvPr/>
+        </p:nvSpPr>
+        <p:spPr>
+          <a:xfrm>
+            <a:off x="1549325" y="1258311"/>
+            <a:ext cx="142025" cy="4880632"/>
+          </a:xfrm>
+          <a:prstGeom prst="rect">
+            <a:avLst/>
+          </a:prstGeom>
+          <a:solidFill>
+            <a:srgbClr val="0070C0"/>
+          </a:solidFill>
+          <a:ln>
+            <a:solidFill>
+              <a:srgbClr val="0070C0"/>
+            </a:solidFill>
+          </a:ln>
+          <a:effectLst/>
+        </p:spPr>
+        <p:style>
+          <a:lnRef idx="1">
+            <a:schemeClr val="accent3"/>
+          </a:lnRef>
+          <a:fillRef idx="2">
+            <a:schemeClr val="accent3"/>
+          </a:fillRef>
+          <a:effectRef idx="1">
+            <a:schemeClr val="accent3"/>
+          </a:effectRef>
+          <a:fontRef idx="minor">
+            <a:schemeClr val="dk1"/>
+          </a:fontRef>
+        </p:style>
+        <p:txBody>
+          <a:bodyPr rtlCol="0" anchor="ctr"/>
+          <a:lstStyle/>
+          <a:p>
+            <a:pPr algn="ctr"/>
+            <a:endParaRPr lang="en-SG" sz="1400"/>
+          </a:p>
+        </p:txBody>
+      </p:sp>
+      <p:sp>
+        <p:nvSpPr>
+          <p:cNvPr id="8" name="Rectangle 62">
+            <a:extLst>
+              <a:ext uri="{FF2B5EF4-FFF2-40B4-BE49-F238E27FC236}">
+                <a16:creationId xmlns:a16="http://schemas.microsoft.com/office/drawing/2014/main" id="{861C4504-B7D0-464E-B7A5-140FA3ED2FCB}"/>
+              </a:ext>
+            </a:extLst>
+          </p:cNvPr>
+          <p:cNvSpPr/>
+          <p:nvPr/>
+        </p:nvSpPr>
+        <p:spPr>
+          <a:xfrm>
+            <a:off x="3437188" y="423022"/>
+            <a:ext cx="1219200" cy="467684"/>
+          </a:xfrm>
+          <a:prstGeom prst="rect">
+            <a:avLst/>
+          </a:prstGeom>
+          <a:solidFill>
+            <a:srgbClr val="0070C0"/>
+          </a:solidFill>
+          <a:ln w="19050">
+            <a:solidFill>
+              <a:srgbClr val="0070C0"/>
+            </a:solidFill>
+          </a:ln>
+          <a:effectLst/>
+        </p:spPr>
+        <p:style>
+          <a:lnRef idx="1">
+            <a:schemeClr val="accent2"/>
+          </a:lnRef>
+          <a:fillRef idx="2">
+            <a:schemeClr val="accent2"/>
+          </a:fillRef>
+          <a:effectRef idx="1">
+            <a:schemeClr val="accent2"/>
+          </a:effectRef>
+          <a:fontRef idx="minor">
+            <a:schemeClr val="dk1"/>
+          </a:fontRef>
+        </p:style>
+        <p:txBody>
+          <a:bodyPr rtlCol="0" anchor="ctr"/>
+          <a:lstStyle/>
+          <a:p>
+            <a:pPr algn="ctr"/>
+            <a:r>
+              <a:rPr lang="en-US" sz="1600" dirty="0">
+                <a:solidFill>
+                  <a:schemeClr val="bg1"/>
+                </a:solidFill>
+              </a:rPr>
+              <a:t>:Project</a:t>
+            </a:r>
+          </a:p>
+          <a:p>
+            <a:pPr algn="ctr"/>
+            <a:r>
+              <a:rPr lang="en-US" sz="1600" dirty="0">
+                <a:solidFill>
+                  <a:schemeClr val="bg1"/>
+                </a:solidFill>
+              </a:rPr>
+              <a:t>Parser</a:t>
+            </a:r>
+            <a:endParaRPr lang="en-SG" sz="1600" dirty="0">
+              <a:solidFill>
+                <a:schemeClr val="bg1"/>
+              </a:solidFill>
+            </a:endParaRPr>
+          </a:p>
+        </p:txBody>
+      </p:sp>
+      <p:cxnSp>
+        <p:nvCxnSpPr>
+          <p:cNvPr id="9" name="Straight Connector 8">
+            <a:extLst>
+              <a:ext uri="{FF2B5EF4-FFF2-40B4-BE49-F238E27FC236}">
+                <a16:creationId xmlns:a16="http://schemas.microsoft.com/office/drawing/2014/main" id="{7680F2D0-019C-4D12-9BCD-35722C24674B}"/>
+              </a:ext>
+            </a:extLst>
+          </p:cNvPr>
+          <p:cNvCxnSpPr>
+            <a:cxnSpLocks/>
+          </p:cNvCxnSpPr>
+          <p:nvPr/>
+        </p:nvCxnSpPr>
+        <p:spPr>
+          <a:xfrm>
+            <a:off x="4050587" y="907617"/>
+            <a:ext cx="0" cy="2368983"/>
+          </a:xfrm>
+          <a:prstGeom prst="line">
+            <a:avLst/>
+          </a:prstGeom>
+          <a:ln w="19050">
+            <a:solidFill>
+              <a:srgbClr val="0070C0"/>
+            </a:solidFill>
+            <a:prstDash val="sysDash"/>
+          </a:ln>
+          <a:effectLst/>
+        </p:spPr>
+        <p:style>
+          <a:lnRef idx="1">
+            <a:schemeClr val="accent1"/>
+          </a:lnRef>
+          <a:fillRef idx="2">
+            <a:schemeClr val="accent1"/>
+          </a:fillRef>
+          <a:effectRef idx="1">
+            <a:schemeClr val="accent1"/>
+          </a:effectRef>
+          <a:fontRef idx="minor">
+            <a:schemeClr val="dk1"/>
+          </a:fontRef>
+        </p:style>
+      </p:cxnSp>
+      <p:sp>
+        <p:nvSpPr>
+          <p:cNvPr id="10" name="Rectangle 9">
+            <a:extLst>
+              <a:ext uri="{FF2B5EF4-FFF2-40B4-BE49-F238E27FC236}">
+                <a16:creationId xmlns:a16="http://schemas.microsoft.com/office/drawing/2014/main" id="{60061A8A-182E-4F14-B2CA-6ED58D241643}"/>
+              </a:ext>
+            </a:extLst>
+          </p:cNvPr>
+          <p:cNvSpPr/>
+          <p:nvPr/>
+        </p:nvSpPr>
+        <p:spPr>
+          <a:xfrm flipH="1">
+            <a:off x="3991699" y="1332169"/>
+            <a:ext cx="95439" cy="1642959"/>
+          </a:xfrm>
+          <a:prstGeom prst="rect">
+            <a:avLst/>
+          </a:prstGeom>
+          <a:solidFill>
+            <a:srgbClr val="0070C0"/>
+          </a:solidFill>
+          <a:ln>
+            <a:solidFill>
+              <a:srgbClr val="0070C0"/>
+            </a:solidFill>
+          </a:ln>
+          <a:effectLst/>
+        </p:spPr>
+        <p:style>
+          <a:lnRef idx="1">
+            <a:schemeClr val="accent3"/>
+          </a:lnRef>
+          <a:fillRef idx="2">
+            <a:schemeClr val="accent3"/>
+          </a:fillRef>
+          <a:effectRef idx="1">
+            <a:schemeClr val="accent3"/>
+          </a:effectRef>
+          <a:fontRef idx="minor">
+            <a:schemeClr val="dk1"/>
+          </a:fontRef>
+        </p:style>
+        <p:txBody>
+          <a:bodyPr rtlCol="0" anchor="ctr"/>
+          <a:lstStyle/>
+          <a:p>
+            <a:pPr algn="ctr"/>
+            <a:endParaRPr lang="en-SG" sz="1400">
+              <a:solidFill>
+                <a:schemeClr val="dk1"/>
+              </a:solidFill>
+            </a:endParaRPr>
+          </a:p>
+        </p:txBody>
+      </p:sp>
+      <p:cxnSp>
+        <p:nvCxnSpPr>
+          <p:cNvPr id="11" name="Straight Connector 10">
+            <a:extLst>
+              <a:ext uri="{FF2B5EF4-FFF2-40B4-BE49-F238E27FC236}">
+                <a16:creationId xmlns:a16="http://schemas.microsoft.com/office/drawing/2014/main" id="{5C2F6E36-1EC6-4C77-A514-6DAE863E49AE}"/>
+              </a:ext>
+            </a:extLst>
+          </p:cNvPr>
+          <p:cNvCxnSpPr>
+            <a:cxnSpLocks/>
+            <a:stCxn id="12" idx="0"/>
+          </p:cNvCxnSpPr>
+          <p:nvPr/>
+        </p:nvCxnSpPr>
+        <p:spPr>
+          <a:xfrm>
+            <a:off x="5602082" y="1613633"/>
+            <a:ext cx="0" cy="1662967"/>
+          </a:xfrm>
+          <a:prstGeom prst="line">
+            <a:avLst/>
+          </a:prstGeom>
+          <a:ln w="19050">
+            <a:solidFill>
+              <a:srgbClr val="0070C0"/>
+            </a:solidFill>
+            <a:prstDash val="sysDash"/>
+          </a:ln>
+          <a:effectLst/>
+        </p:spPr>
+        <p:style>
+          <a:lnRef idx="1">
+            <a:schemeClr val="accent1"/>
+          </a:lnRef>
+          <a:fillRef idx="2">
+            <a:schemeClr val="accent1"/>
+          </a:fillRef>
+          <a:effectRef idx="1">
+            <a:schemeClr val="accent1"/>
+          </a:effectRef>
+          <a:fontRef idx="minor">
+            <a:schemeClr val="dk1"/>
+          </a:fontRef>
+        </p:style>
+      </p:cxnSp>
+      <p:sp>
+        <p:nvSpPr>
+          <p:cNvPr id="12" name="Rectangle 11">
+            <a:extLst>
+              <a:ext uri="{FF2B5EF4-FFF2-40B4-BE49-F238E27FC236}">
+                <a16:creationId xmlns:a16="http://schemas.microsoft.com/office/drawing/2014/main" id="{DA2A1E3F-1FF8-4F98-A680-2A288A707EC1}"/>
+              </a:ext>
+            </a:extLst>
+          </p:cNvPr>
+          <p:cNvSpPr/>
+          <p:nvPr/>
+        </p:nvSpPr>
+        <p:spPr>
+          <a:xfrm>
+            <a:off x="5525882" y="1613633"/>
+            <a:ext cx="152400" cy="276003"/>
+          </a:xfrm>
+          <a:prstGeom prst="rect">
+            <a:avLst/>
+          </a:prstGeom>
+          <a:solidFill>
+            <a:srgbClr val="0070C0"/>
+          </a:solidFill>
+          <a:ln>
+            <a:solidFill>
+              <a:srgbClr val="0070C0"/>
+            </a:solidFill>
+          </a:ln>
+          <a:effectLst/>
+        </p:spPr>
+        <p:style>
+          <a:lnRef idx="1">
+            <a:schemeClr val="accent3"/>
+          </a:lnRef>
+          <a:fillRef idx="2">
+            <a:schemeClr val="accent3"/>
+          </a:fillRef>
+          <a:effectRef idx="1">
+            <a:schemeClr val="accent3"/>
+          </a:effectRef>
+          <a:fontRef idx="minor">
+            <a:schemeClr val="dk1"/>
+          </a:fontRef>
+        </p:style>
+        <p:txBody>
+          <a:bodyPr rtlCol="0" anchor="ctr"/>
+          <a:lstStyle/>
+          <a:p>
+            <a:pPr algn="ctr"/>
+            <a:endParaRPr lang="en-SG" sz="1400"/>
+          </a:p>
+        </p:txBody>
+      </p:sp>
+      <p:cxnSp>
+        <p:nvCxnSpPr>
+          <p:cNvPr id="13" name="Straight Arrow Connector 12">
+            <a:extLst>
+              <a:ext uri="{FF2B5EF4-FFF2-40B4-BE49-F238E27FC236}">
+                <a16:creationId xmlns:a16="http://schemas.microsoft.com/office/drawing/2014/main" id="{20D26C43-CCAF-45E6-93D1-68B9B69D2509}"/>
+              </a:ext>
+            </a:extLst>
+          </p:cNvPr>
+          <p:cNvCxnSpPr/>
+          <p:nvPr/>
+        </p:nvCxnSpPr>
+        <p:spPr>
+          <a:xfrm>
+            <a:off x="419100" y="1261999"/>
+            <a:ext cx="1119851" cy="0"/>
+          </a:xfrm>
+          <a:prstGeom prst="straightConnector1">
+            <a:avLst/>
+          </a:prstGeom>
+          <a:ln w="19050">
+            <a:solidFill>
+              <a:srgbClr val="00B050"/>
+            </a:solidFill>
+            <a:tailEnd type="arrow"/>
+          </a:ln>
+        </p:spPr>
+        <p:style>
+          <a:lnRef idx="1">
+            <a:schemeClr val="accent1"/>
+          </a:lnRef>
+          <a:fillRef idx="0">
+            <a:schemeClr val="accent1"/>
+          </a:fillRef>
+          <a:effectRef idx="0">
+            <a:schemeClr val="accent1"/>
+          </a:effectRef>
+          <a:fontRef idx="minor">
+            <a:schemeClr val="tx1"/>
+          </a:fontRef>
+        </p:style>
+      </p:cxnSp>
+      <p:sp>
+        <p:nvSpPr>
+          <p:cNvPr id="14" name="TextBox 13">
+            <a:extLst>
+              <a:ext uri="{FF2B5EF4-FFF2-40B4-BE49-F238E27FC236}">
+                <a16:creationId xmlns:a16="http://schemas.microsoft.com/office/drawing/2014/main" id="{36DDDC88-AAFD-464E-8CEE-7610AECA603A}"/>
+              </a:ext>
+            </a:extLst>
+          </p:cNvPr>
+          <p:cNvSpPr txBox="1"/>
+          <p:nvPr/>
+        </p:nvSpPr>
+        <p:spPr>
+          <a:xfrm>
+            <a:off x="38100" y="990600"/>
+            <a:ext cx="1424846" cy="215444"/>
+          </a:xfrm>
+          <a:prstGeom prst="rect">
+            <a:avLst/>
+          </a:prstGeom>
+          <a:noFill/>
+        </p:spPr>
+        <p:txBody>
+          <a:bodyPr wrap="square" lIns="0" tIns="0" rIns="0" bIns="0" rtlCol="0">
+            <a:spAutoFit/>
+          </a:bodyPr>
+          <a:lstStyle/>
+          <a:p>
+            <a:pPr algn="r"/>
+            <a:r>
+              <a:rPr lang="en-US" sz="1400" dirty="0">
+                <a:solidFill>
+                  <a:srgbClr val="0070C0"/>
+                </a:solidFill>
+              </a:rPr>
+              <a:t>execute(“delete 1”)</a:t>
+            </a:r>
+          </a:p>
+        </p:txBody>
+      </p:sp>
+      <p:cxnSp>
+        <p:nvCxnSpPr>
+          <p:cNvPr id="15" name="Straight Arrow Connector 14">
+            <a:extLst>
+              <a:ext uri="{FF2B5EF4-FFF2-40B4-BE49-F238E27FC236}">
+                <a16:creationId xmlns:a16="http://schemas.microsoft.com/office/drawing/2014/main" id="{A9C46402-FCA2-458C-BCE4-9A5867CB9C7F}"/>
+              </a:ext>
+            </a:extLst>
+          </p:cNvPr>
+          <p:cNvCxnSpPr/>
+          <p:nvPr/>
+        </p:nvCxnSpPr>
+        <p:spPr>
+          <a:xfrm flipV="1">
+            <a:off x="4135972" y="1512340"/>
+            <a:ext cx="922392" cy="1"/>
+          </a:xfrm>
+          <a:prstGeom prst="straightConnector1">
+            <a:avLst/>
+          </a:prstGeom>
+          <a:ln w="19050">
+            <a:solidFill>
+              <a:srgbClr val="0070C0"/>
+            </a:solidFill>
+            <a:tailEnd type="arrow"/>
+          </a:ln>
+        </p:spPr>
+        <p:style>
+          <a:lnRef idx="1">
+            <a:schemeClr val="accent1"/>
+          </a:lnRef>
+          <a:fillRef idx="0">
+            <a:schemeClr val="accent1"/>
+          </a:fillRef>
+          <a:effectRef idx="0">
+            <a:schemeClr val="accent1"/>
+          </a:effectRef>
+          <a:fontRef idx="minor">
+            <a:schemeClr val="tx1"/>
+          </a:fontRef>
+        </p:style>
+      </p:cxnSp>
+      <p:sp>
+        <p:nvSpPr>
+          <p:cNvPr id="16" name="TextBox 15">
+            <a:extLst>
+              <a:ext uri="{FF2B5EF4-FFF2-40B4-BE49-F238E27FC236}">
+                <a16:creationId xmlns:a16="http://schemas.microsoft.com/office/drawing/2014/main" id="{31773AAD-F2FB-49CF-9ECC-4001E52E471C}"/>
+              </a:ext>
+            </a:extLst>
+          </p:cNvPr>
+          <p:cNvSpPr txBox="1"/>
+          <p:nvPr/>
+        </p:nvSpPr>
+        <p:spPr>
+          <a:xfrm>
+            <a:off x="3228001" y="3534368"/>
+            <a:ext cx="855809" cy="215444"/>
+          </a:xfrm>
+          <a:prstGeom prst="rect">
+            <a:avLst/>
+          </a:prstGeom>
+          <a:noFill/>
+        </p:spPr>
+        <p:txBody>
+          <a:bodyPr wrap="square" lIns="0" tIns="0" rIns="0" bIns="0" rtlCol="0">
+            <a:spAutoFit/>
+          </a:bodyPr>
+          <a:lstStyle>
+            <a:defPPr>
+              <a:defRPr lang="en-US"/>
+            </a:defPPr>
+            <a:lvl1pPr algn="r">
+              <a:defRPr sz="1400">
+                <a:solidFill>
+                  <a:srgbClr val="0070C0"/>
+                </a:solidFill>
+              </a:defRPr>
+            </a:lvl1pPr>
+          </a:lstStyle>
+          <a:p>
+            <a:r>
+              <a:rPr lang="en-US" dirty="0"/>
+              <a:t>execute()</a:t>
+            </a:r>
+          </a:p>
+        </p:txBody>
+      </p:sp>
+      <p:cxnSp>
+        <p:nvCxnSpPr>
+          <p:cNvPr id="17" name="Straight Arrow Connector 16">
+            <a:extLst>
+              <a:ext uri="{FF2B5EF4-FFF2-40B4-BE49-F238E27FC236}">
+                <a16:creationId xmlns:a16="http://schemas.microsoft.com/office/drawing/2014/main" id="{A957AF04-A926-4C9E-AA5D-6892AF7B12A2}"/>
+              </a:ext>
+            </a:extLst>
+          </p:cNvPr>
+          <p:cNvCxnSpPr/>
+          <p:nvPr/>
+        </p:nvCxnSpPr>
+        <p:spPr>
+          <a:xfrm>
+            <a:off x="4109108" y="1878232"/>
+            <a:ext cx="1492974" cy="0"/>
+          </a:xfrm>
+          <a:prstGeom prst="straightConnector1">
+            <a:avLst/>
+          </a:prstGeom>
+          <a:ln w="19050">
+            <a:solidFill>
+              <a:srgbClr val="0070C0"/>
+            </a:solidFill>
+            <a:prstDash val="sysDash"/>
+            <a:headEnd type="arrow" w="med" len="med"/>
+            <a:tailEnd type="none" w="med" len="med"/>
+          </a:ln>
+        </p:spPr>
+        <p:style>
+          <a:lnRef idx="1">
+            <a:schemeClr val="accent1"/>
+          </a:lnRef>
+          <a:fillRef idx="0">
+            <a:schemeClr val="accent1"/>
+          </a:fillRef>
+          <a:effectRef idx="0">
+            <a:schemeClr val="accent1"/>
+          </a:effectRef>
+          <a:fontRef idx="minor">
+            <a:schemeClr val="tx1"/>
+          </a:fontRef>
+        </p:style>
+      </p:cxnSp>
+      <p:cxnSp>
+        <p:nvCxnSpPr>
+          <p:cNvPr id="18" name="Straight Arrow Connector 17">
+            <a:extLst>
+              <a:ext uri="{FF2B5EF4-FFF2-40B4-BE49-F238E27FC236}">
+                <a16:creationId xmlns:a16="http://schemas.microsoft.com/office/drawing/2014/main" id="{9926FAB9-782B-4DC7-90FA-014FB4AF9027}"/>
+              </a:ext>
+            </a:extLst>
+          </p:cNvPr>
+          <p:cNvCxnSpPr>
+            <a:cxnSpLocks/>
+          </p:cNvCxnSpPr>
+          <p:nvPr/>
+        </p:nvCxnSpPr>
+        <p:spPr>
+          <a:xfrm>
+            <a:off x="1691351" y="2975128"/>
+            <a:ext cx="2348067" cy="0"/>
+          </a:xfrm>
+          <a:prstGeom prst="straightConnector1">
+            <a:avLst/>
+          </a:prstGeom>
+          <a:ln w="19050">
+            <a:solidFill>
+              <a:srgbClr val="0070C0"/>
+            </a:solidFill>
+            <a:prstDash val="sysDash"/>
+            <a:headEnd type="arrow" w="med" len="med"/>
+            <a:tailEnd type="none" w="med" len="med"/>
+          </a:ln>
+        </p:spPr>
+        <p:style>
+          <a:lnRef idx="1">
+            <a:schemeClr val="accent1"/>
+          </a:lnRef>
+          <a:fillRef idx="0">
+            <a:schemeClr val="accent1"/>
+          </a:fillRef>
+          <a:effectRef idx="0">
+            <a:schemeClr val="accent1"/>
+          </a:effectRef>
+          <a:fontRef idx="minor">
+            <a:schemeClr val="tx1"/>
+          </a:fontRef>
+        </p:style>
+      </p:cxnSp>
+      <p:cxnSp>
+        <p:nvCxnSpPr>
+          <p:cNvPr id="19" name="Straight Arrow Connector 18">
+            <a:extLst>
+              <a:ext uri="{FF2B5EF4-FFF2-40B4-BE49-F238E27FC236}">
+                <a16:creationId xmlns:a16="http://schemas.microsoft.com/office/drawing/2014/main" id="{5437AFFC-83B9-4AAA-84D4-3581FE5E8FFE}"/>
+              </a:ext>
+            </a:extLst>
+          </p:cNvPr>
+          <p:cNvCxnSpPr/>
+          <p:nvPr/>
+        </p:nvCxnSpPr>
+        <p:spPr>
+          <a:xfrm>
+            <a:off x="380999" y="5810124"/>
+            <a:ext cx="1196051" cy="0"/>
+          </a:xfrm>
+          <a:prstGeom prst="straightConnector1">
+            <a:avLst/>
+          </a:prstGeom>
+          <a:ln w="19050">
+            <a:solidFill>
+              <a:schemeClr val="accent1"/>
+            </a:solidFill>
+            <a:prstDash val="sysDash"/>
+            <a:headEnd type="arrow" w="med" len="med"/>
+            <a:tailEnd type="none" w="med" len="med"/>
+          </a:ln>
+        </p:spPr>
+        <p:style>
+          <a:lnRef idx="1">
+            <a:schemeClr val="accent1"/>
+          </a:lnRef>
+          <a:fillRef idx="0">
+            <a:schemeClr val="accent1"/>
+          </a:fillRef>
+          <a:effectRef idx="0">
+            <a:schemeClr val="accent1"/>
+          </a:effectRef>
+          <a:fontRef idx="minor">
+            <a:schemeClr val="tx1"/>
+          </a:fontRef>
+        </p:style>
+      </p:cxnSp>
+      <p:sp>
+        <p:nvSpPr>
+          <p:cNvPr id="20" name="Rectangle 19">
+            <a:extLst>
+              <a:ext uri="{FF2B5EF4-FFF2-40B4-BE49-F238E27FC236}">
+                <a16:creationId xmlns:a16="http://schemas.microsoft.com/office/drawing/2014/main" id="{E4833E74-8368-4382-A4FE-641B8C7AA9A1}"/>
+              </a:ext>
+            </a:extLst>
+          </p:cNvPr>
+          <p:cNvSpPr/>
+          <p:nvPr/>
+        </p:nvSpPr>
+        <p:spPr>
+          <a:xfrm>
+            <a:off x="7772400" y="3770621"/>
+            <a:ext cx="102547" cy="1548078"/>
+          </a:xfrm>
+          <a:prstGeom prst="rect">
+            <a:avLst/>
+          </a:prstGeom>
+          <a:solidFill>
+            <a:srgbClr val="0070C0"/>
+          </a:solidFill>
+          <a:ln>
+            <a:solidFill>
+              <a:srgbClr val="0070C0"/>
+            </a:solidFill>
+          </a:ln>
+          <a:effectLst/>
+        </p:spPr>
+        <p:style>
+          <a:lnRef idx="1">
+            <a:schemeClr val="accent3"/>
+          </a:lnRef>
+          <a:fillRef idx="2">
+            <a:schemeClr val="accent3"/>
+          </a:fillRef>
+          <a:effectRef idx="1">
+            <a:schemeClr val="accent3"/>
+          </a:effectRef>
+          <a:fontRef idx="minor">
+            <a:schemeClr val="dk1"/>
+          </a:fontRef>
+        </p:style>
+        <p:txBody>
+          <a:bodyPr rtlCol="0" anchor="ctr"/>
+          <a:lstStyle/>
+          <a:p>
+            <a:pPr algn="ctr"/>
+            <a:endParaRPr lang="en-SG" sz="1400"/>
+          </a:p>
+        </p:txBody>
+      </p:sp>
+      <p:sp>
+        <p:nvSpPr>
+          <p:cNvPr id="22" name="TextBox 21">
+            <a:extLst>
+              <a:ext uri="{FF2B5EF4-FFF2-40B4-BE49-F238E27FC236}">
+                <a16:creationId xmlns:a16="http://schemas.microsoft.com/office/drawing/2014/main" id="{26D38C4C-A246-40CC-81F0-DC7AA9E6297B}"/>
+              </a:ext>
+            </a:extLst>
+          </p:cNvPr>
+          <p:cNvSpPr txBox="1"/>
+          <p:nvPr/>
+        </p:nvSpPr>
+        <p:spPr>
+          <a:xfrm>
+            <a:off x="1885189" y="1106150"/>
+            <a:ext cx="1899551" cy="215444"/>
+          </a:xfrm>
+          <a:prstGeom prst="rect">
+            <a:avLst/>
+          </a:prstGeom>
+          <a:noFill/>
+        </p:spPr>
+        <p:txBody>
+          <a:bodyPr wrap="square" lIns="0" tIns="0" rIns="0" bIns="0" rtlCol="0">
+            <a:spAutoFit/>
+          </a:bodyPr>
+          <a:lstStyle>
+            <a:defPPr>
+              <a:defRPr lang="en-US"/>
+            </a:defPPr>
+            <a:lvl1pPr algn="r">
+              <a:defRPr sz="1400">
+                <a:solidFill>
+                  <a:srgbClr val="0070C0"/>
+                </a:solidFill>
+              </a:defRPr>
+            </a:lvl1pPr>
+          </a:lstStyle>
+          <a:p>
+            <a:r>
+              <a:rPr lang="en-US" dirty="0"/>
+              <a:t>parse(“delete 1”)</a:t>
+            </a:r>
+          </a:p>
+        </p:txBody>
+      </p:sp>
+      <p:sp>
+        <p:nvSpPr>
+          <p:cNvPr id="23" name="TextBox 22">
+            <a:extLst>
+              <a:ext uri="{FF2B5EF4-FFF2-40B4-BE49-F238E27FC236}">
+                <a16:creationId xmlns:a16="http://schemas.microsoft.com/office/drawing/2014/main" id="{3194C977-9F40-4D8B-BAEE-D4C47C26EBF2}"/>
+              </a:ext>
+            </a:extLst>
+          </p:cNvPr>
+          <p:cNvSpPr txBox="1"/>
+          <p:nvPr/>
+        </p:nvSpPr>
+        <p:spPr>
+          <a:xfrm>
+            <a:off x="3228001" y="5000872"/>
+            <a:ext cx="621216" cy="215444"/>
+          </a:xfrm>
+          <a:prstGeom prst="rect">
+            <a:avLst/>
+          </a:prstGeom>
+          <a:noFill/>
+        </p:spPr>
+        <p:txBody>
+          <a:bodyPr wrap="square" lIns="0" tIns="0" rIns="0" bIns="0" rtlCol="0">
+            <a:spAutoFit/>
+          </a:bodyPr>
+          <a:lstStyle>
+            <a:defPPr>
+              <a:defRPr lang="en-US"/>
+            </a:defPPr>
+            <a:lvl1pPr algn="r">
+              <a:defRPr sz="1400">
+                <a:solidFill>
+                  <a:srgbClr val="0070C0"/>
+                </a:solidFill>
+              </a:defRPr>
+            </a:lvl1pPr>
+          </a:lstStyle>
+          <a:p>
+            <a:r>
+              <a:rPr lang="en-US" dirty="0"/>
+              <a:t>result</a:t>
+            </a:r>
+          </a:p>
+        </p:txBody>
+      </p:sp>
+      <p:sp>
+        <p:nvSpPr>
+          <p:cNvPr id="24" name="TextBox 23">
+            <a:extLst>
+              <a:ext uri="{FF2B5EF4-FFF2-40B4-BE49-F238E27FC236}">
+                <a16:creationId xmlns:a16="http://schemas.microsoft.com/office/drawing/2014/main" id="{B0EBD6C4-C410-4444-A057-065ADDE0968E}"/>
+              </a:ext>
+            </a:extLst>
+          </p:cNvPr>
+          <p:cNvSpPr txBox="1"/>
+          <p:nvPr/>
+        </p:nvSpPr>
+        <p:spPr>
+          <a:xfrm>
+            <a:off x="645270" y="5565025"/>
+            <a:ext cx="762000" cy="215444"/>
+          </a:xfrm>
+          <a:prstGeom prst="rect">
+            <a:avLst/>
+          </a:prstGeom>
+          <a:noFill/>
+        </p:spPr>
+        <p:txBody>
+          <a:bodyPr wrap="square" lIns="0" tIns="0" rIns="0" bIns="0" rtlCol="0">
+            <a:spAutoFit/>
+          </a:bodyPr>
+          <a:lstStyle>
+            <a:defPPr>
+              <a:defRPr lang="en-US"/>
+            </a:defPPr>
+            <a:lvl1pPr algn="r">
+              <a:defRPr sz="1400">
+                <a:solidFill>
+                  <a:srgbClr val="0070C0"/>
+                </a:solidFill>
+              </a:defRPr>
+            </a:lvl1pPr>
+          </a:lstStyle>
+          <a:p>
+            <a:r>
+              <a:rPr lang="en-US" dirty="0"/>
+              <a:t>result</a:t>
+            </a:r>
+          </a:p>
+        </p:txBody>
+      </p:sp>
+      <p:sp>
+        <p:nvSpPr>
+          <p:cNvPr id="27" name="TextBox 26">
+            <a:extLst>
+              <a:ext uri="{FF2B5EF4-FFF2-40B4-BE49-F238E27FC236}">
+                <a16:creationId xmlns:a16="http://schemas.microsoft.com/office/drawing/2014/main" id="{DA7AD6E2-4618-43EA-83CA-454DE0817AF5}"/>
+              </a:ext>
+            </a:extLst>
+          </p:cNvPr>
+          <p:cNvSpPr txBox="1"/>
+          <p:nvPr/>
+        </p:nvSpPr>
+        <p:spPr>
+          <a:xfrm>
+            <a:off x="2549647" y="2708668"/>
+            <a:ext cx="220343" cy="215444"/>
+          </a:xfrm>
+          <a:prstGeom prst="rect">
+            <a:avLst/>
+          </a:prstGeom>
+          <a:noFill/>
+        </p:spPr>
+        <p:txBody>
+          <a:bodyPr wrap="square" lIns="0" tIns="0" rIns="0" bIns="0" rtlCol="0">
+            <a:spAutoFit/>
+          </a:bodyPr>
+          <a:lstStyle>
+            <a:defPPr>
+              <a:defRPr lang="en-US"/>
+            </a:defPPr>
+            <a:lvl1pPr algn="r">
+              <a:defRPr sz="1400">
+                <a:solidFill>
+                  <a:srgbClr val="0070C0"/>
+                </a:solidFill>
+              </a:defRPr>
+            </a:lvl1pPr>
+          </a:lstStyle>
+          <a:p>
+            <a:r>
+              <a:rPr lang="en-US" dirty="0"/>
+              <a:t>d</a:t>
+            </a:r>
+          </a:p>
+        </p:txBody>
+      </p:sp>
+      <p:sp>
+        <p:nvSpPr>
+          <p:cNvPr id="32" name="TextBox 31">
+            <a:extLst>
+              <a:ext uri="{FF2B5EF4-FFF2-40B4-BE49-F238E27FC236}">
+                <a16:creationId xmlns:a16="http://schemas.microsoft.com/office/drawing/2014/main" id="{16500FA8-1FEA-465F-8189-B6D7C986B6B1}"/>
+              </a:ext>
+            </a:extLst>
+          </p:cNvPr>
+          <p:cNvSpPr txBox="1"/>
+          <p:nvPr/>
+        </p:nvSpPr>
+        <p:spPr>
+          <a:xfrm>
+            <a:off x="5472880" y="3115586"/>
+            <a:ext cx="258404" cy="261610"/>
+          </a:xfrm>
+          <a:prstGeom prst="rect">
+            <a:avLst/>
+          </a:prstGeom>
+          <a:noFill/>
+        </p:spPr>
+        <p:txBody>
+          <a:bodyPr wrap="none" rtlCol="0">
+            <a:spAutoFit/>
+          </a:bodyPr>
+          <a:lstStyle/>
+          <a:p>
+            <a:r>
+              <a:rPr lang="en-SG" sz="1100" dirty="0">
+                <a:solidFill>
+                  <a:srgbClr val="002060"/>
+                </a:solidFill>
+              </a:rPr>
+              <a:t>X</a:t>
+            </a:r>
+          </a:p>
+        </p:txBody>
+      </p:sp>
+      <p:sp>
+        <p:nvSpPr>
+          <p:cNvPr id="33" name="Rectangle 62">
+            <a:extLst>
+              <a:ext uri="{FF2B5EF4-FFF2-40B4-BE49-F238E27FC236}">
+                <a16:creationId xmlns:a16="http://schemas.microsoft.com/office/drawing/2014/main" id="{AC73DD8A-790F-4E81-ACB0-12AFF46F4A34}"/>
+              </a:ext>
+            </a:extLst>
+          </p:cNvPr>
+          <p:cNvSpPr/>
+          <p:nvPr/>
+        </p:nvSpPr>
+        <p:spPr>
+          <a:xfrm>
+            <a:off x="5035976" y="1260268"/>
+            <a:ext cx="1745817" cy="461538"/>
+          </a:xfrm>
+          <a:prstGeom prst="rect">
+            <a:avLst/>
+          </a:prstGeom>
+          <a:solidFill>
+            <a:srgbClr val="0070C0"/>
+          </a:solidFill>
+          <a:ln w="19050">
+            <a:solidFill>
+              <a:srgbClr val="0070C0"/>
+            </a:solidFill>
+          </a:ln>
+          <a:effectLst/>
+        </p:spPr>
+        <p:style>
+          <a:lnRef idx="1">
+            <a:schemeClr val="accent2"/>
+          </a:lnRef>
+          <a:fillRef idx="2">
+            <a:schemeClr val="accent2"/>
+          </a:fillRef>
+          <a:effectRef idx="1">
+            <a:schemeClr val="accent2"/>
+          </a:effectRef>
+          <a:fontRef idx="minor">
+            <a:schemeClr val="dk1"/>
+          </a:fontRef>
+        </p:style>
+        <p:txBody>
+          <a:bodyPr rtlCol="0" anchor="ctr"/>
+          <a:lstStyle/>
+          <a:p>
+            <a:pPr algn="ctr"/>
+            <a:r>
+              <a:rPr lang="en-US" sz="1600" dirty="0">
+                <a:solidFill>
+                  <a:schemeClr val="bg1"/>
+                </a:solidFill>
+              </a:rPr>
+              <a:t>:DeleleCommandParser</a:t>
+            </a:r>
+            <a:endParaRPr lang="en-SG" sz="1600" dirty="0">
+              <a:solidFill>
+                <a:schemeClr val="bg1"/>
+              </a:solidFill>
+            </a:endParaRPr>
+          </a:p>
+        </p:txBody>
+      </p:sp>
+      <p:cxnSp>
+        <p:nvCxnSpPr>
+          <p:cNvPr id="34" name="Straight Arrow Connector 33">
+            <a:extLst>
+              <a:ext uri="{FF2B5EF4-FFF2-40B4-BE49-F238E27FC236}">
+                <a16:creationId xmlns:a16="http://schemas.microsoft.com/office/drawing/2014/main" id="{E015A326-1161-4B16-9489-554EA303BD58}"/>
+              </a:ext>
+            </a:extLst>
+          </p:cNvPr>
+          <p:cNvCxnSpPr>
+            <a:cxnSpLocks/>
+          </p:cNvCxnSpPr>
+          <p:nvPr/>
+        </p:nvCxnSpPr>
+        <p:spPr>
+          <a:xfrm>
+            <a:off x="1682968" y="3795456"/>
+            <a:ext cx="6078731" cy="0"/>
+          </a:xfrm>
+          <a:prstGeom prst="straightConnector1">
+            <a:avLst/>
+          </a:prstGeom>
+          <a:ln w="19050">
+            <a:solidFill>
+              <a:srgbClr val="0070C0"/>
+            </a:solidFill>
+            <a:tailEnd type="arrow"/>
+          </a:ln>
+        </p:spPr>
+        <p:style>
+          <a:lnRef idx="1">
+            <a:schemeClr val="accent1"/>
+          </a:lnRef>
+          <a:fillRef idx="0">
+            <a:schemeClr val="accent1"/>
+          </a:fillRef>
+          <a:effectRef idx="0">
+            <a:schemeClr val="accent1"/>
+          </a:effectRef>
+          <a:fontRef idx="minor">
+            <a:schemeClr val="tx1"/>
+          </a:fontRef>
+        </p:style>
+      </p:cxnSp>
+      <p:cxnSp>
+        <p:nvCxnSpPr>
+          <p:cNvPr id="35" name="Straight Arrow Connector 34">
+            <a:extLst>
+              <a:ext uri="{FF2B5EF4-FFF2-40B4-BE49-F238E27FC236}">
+                <a16:creationId xmlns:a16="http://schemas.microsoft.com/office/drawing/2014/main" id="{B251072D-E4A2-4151-A704-8CC754335832}"/>
+              </a:ext>
+            </a:extLst>
+          </p:cNvPr>
+          <p:cNvCxnSpPr>
+            <a:cxnSpLocks/>
+          </p:cNvCxnSpPr>
+          <p:nvPr/>
+        </p:nvCxnSpPr>
+        <p:spPr>
+          <a:xfrm>
+            <a:off x="1708245" y="1363918"/>
+            <a:ext cx="2256705" cy="1"/>
+          </a:xfrm>
+          <a:prstGeom prst="straightConnector1">
+            <a:avLst/>
+          </a:prstGeom>
+          <a:ln w="19050">
+            <a:solidFill>
+              <a:srgbClr val="0070C0"/>
+            </a:solidFill>
+            <a:tailEnd type="arrow"/>
+          </a:ln>
+        </p:spPr>
+        <p:style>
+          <a:lnRef idx="1">
+            <a:schemeClr val="accent1"/>
+          </a:lnRef>
+          <a:fillRef idx="0">
+            <a:schemeClr val="accent1"/>
+          </a:fillRef>
+          <a:effectRef idx="0">
+            <a:schemeClr val="accent1"/>
+          </a:effectRef>
+          <a:fontRef idx="minor">
+            <a:schemeClr val="tx1"/>
+          </a:fontRef>
+        </p:style>
+      </p:cxnSp>
+      <p:cxnSp>
+        <p:nvCxnSpPr>
+          <p:cNvPr id="36" name="Straight Arrow Connector 35">
+            <a:extLst>
+              <a:ext uri="{FF2B5EF4-FFF2-40B4-BE49-F238E27FC236}">
+                <a16:creationId xmlns:a16="http://schemas.microsoft.com/office/drawing/2014/main" id="{992B6AF6-F242-4B14-8459-C442A3E6EF71}"/>
+              </a:ext>
+            </a:extLst>
+          </p:cNvPr>
+          <p:cNvCxnSpPr>
+            <a:cxnSpLocks/>
+          </p:cNvCxnSpPr>
+          <p:nvPr/>
+        </p:nvCxnSpPr>
+        <p:spPr>
+          <a:xfrm>
+            <a:off x="1641363" y="5257800"/>
+            <a:ext cx="6093885" cy="0"/>
+          </a:xfrm>
+          <a:prstGeom prst="straightConnector1">
+            <a:avLst/>
+          </a:prstGeom>
+          <a:ln w="19050">
+            <a:solidFill>
+              <a:srgbClr val="0070C0"/>
+            </a:solidFill>
+            <a:prstDash val="sysDash"/>
+            <a:headEnd type="arrow" w="med" len="med"/>
+            <a:tailEnd type="none" w="med" len="med"/>
+          </a:ln>
+        </p:spPr>
+        <p:style>
+          <a:lnRef idx="1">
+            <a:schemeClr val="accent1"/>
+          </a:lnRef>
+          <a:fillRef idx="0">
+            <a:schemeClr val="accent1"/>
+          </a:fillRef>
+          <a:effectRef idx="0">
+            <a:schemeClr val="accent1"/>
+          </a:effectRef>
+          <a:fontRef idx="minor">
+            <a:schemeClr val="tx1"/>
+          </a:fontRef>
+        </p:style>
+      </p:cxnSp>
+      <p:sp>
+        <p:nvSpPr>
+          <p:cNvPr id="44" name="Rectangle 43">
+            <a:extLst>
+              <a:ext uri="{FF2B5EF4-FFF2-40B4-BE49-F238E27FC236}">
+                <a16:creationId xmlns:a16="http://schemas.microsoft.com/office/drawing/2014/main" id="{6D0F6EDC-8628-4799-8F07-DC15107B5CD8}"/>
+              </a:ext>
+            </a:extLst>
+          </p:cNvPr>
+          <p:cNvSpPr/>
+          <p:nvPr/>
+        </p:nvSpPr>
+        <p:spPr>
+          <a:xfrm>
+            <a:off x="5521507" y="2019361"/>
+            <a:ext cx="102545" cy="846398"/>
+          </a:xfrm>
+          <a:prstGeom prst="rect">
+            <a:avLst/>
+          </a:prstGeom>
+          <a:solidFill>
+            <a:srgbClr val="0070C0"/>
+          </a:solidFill>
+          <a:ln>
+            <a:solidFill>
+              <a:srgbClr val="0070C0"/>
+            </a:solidFill>
+          </a:ln>
+          <a:effectLst/>
+        </p:spPr>
+        <p:style>
+          <a:lnRef idx="1">
+            <a:schemeClr val="accent3"/>
+          </a:lnRef>
+          <a:fillRef idx="2">
+            <a:schemeClr val="accent3"/>
+          </a:fillRef>
+          <a:effectRef idx="1">
+            <a:schemeClr val="accent3"/>
+          </a:effectRef>
+          <a:fontRef idx="minor">
+            <a:schemeClr val="dk1"/>
+          </a:fontRef>
+        </p:style>
+        <p:txBody>
+          <a:bodyPr rtlCol="0" anchor="ctr"/>
+          <a:lstStyle/>
+          <a:p>
+            <a:pPr algn="ctr"/>
+            <a:endParaRPr lang="en-SG" sz="1400"/>
+          </a:p>
+        </p:txBody>
+      </p:sp>
+      <p:cxnSp>
+        <p:nvCxnSpPr>
+          <p:cNvPr id="46" name="Straight Arrow Connector 45">
+            <a:extLst>
+              <a:ext uri="{FF2B5EF4-FFF2-40B4-BE49-F238E27FC236}">
+                <a16:creationId xmlns:a16="http://schemas.microsoft.com/office/drawing/2014/main" id="{7071C3C8-D4BB-4C95-A57C-3E2132AB4C9E}"/>
+              </a:ext>
+            </a:extLst>
+          </p:cNvPr>
+          <p:cNvCxnSpPr/>
+          <p:nvPr/>
+        </p:nvCxnSpPr>
+        <p:spPr>
+          <a:xfrm>
+            <a:off x="4109108" y="2810832"/>
+            <a:ext cx="1492974" cy="0"/>
+          </a:xfrm>
+          <a:prstGeom prst="straightConnector1">
+            <a:avLst/>
+          </a:prstGeom>
+          <a:ln w="19050">
+            <a:solidFill>
+              <a:srgbClr val="0070C0"/>
+            </a:solidFill>
+            <a:prstDash val="sysDash"/>
+            <a:headEnd type="arrow" w="med" len="med"/>
+            <a:tailEnd type="none" w="med" len="med"/>
+          </a:ln>
+        </p:spPr>
+        <p:style>
+          <a:lnRef idx="1">
+            <a:schemeClr val="accent1"/>
+          </a:lnRef>
+          <a:fillRef idx="0">
+            <a:schemeClr val="accent1"/>
+          </a:fillRef>
+          <a:effectRef idx="0">
+            <a:schemeClr val="accent1"/>
+          </a:effectRef>
+          <a:fontRef idx="minor">
+            <a:schemeClr val="tx1"/>
+          </a:fontRef>
+        </p:style>
+      </p:cxnSp>
+      <p:cxnSp>
+        <p:nvCxnSpPr>
+          <p:cNvPr id="47" name="Straight Arrow Connector 46">
+            <a:extLst>
+              <a:ext uri="{FF2B5EF4-FFF2-40B4-BE49-F238E27FC236}">
+                <a16:creationId xmlns:a16="http://schemas.microsoft.com/office/drawing/2014/main" id="{4168217F-FDDF-4D7E-B611-E191AADABB38}"/>
+              </a:ext>
+            </a:extLst>
+          </p:cNvPr>
+          <p:cNvCxnSpPr>
+            <a:cxnSpLocks/>
+          </p:cNvCxnSpPr>
+          <p:nvPr/>
+        </p:nvCxnSpPr>
+        <p:spPr>
+          <a:xfrm flipV="1">
+            <a:off x="4135972" y="2059450"/>
+            <a:ext cx="1363565" cy="1825"/>
+          </a:xfrm>
+          <a:prstGeom prst="straightConnector1">
+            <a:avLst/>
+          </a:prstGeom>
+          <a:ln w="19050">
+            <a:solidFill>
+              <a:srgbClr val="0070C0"/>
+            </a:solidFill>
+            <a:tailEnd type="arrow"/>
+          </a:ln>
+        </p:spPr>
+        <p:style>
+          <a:lnRef idx="1">
+            <a:schemeClr val="accent1"/>
+          </a:lnRef>
+          <a:fillRef idx="0">
+            <a:schemeClr val="accent1"/>
+          </a:fillRef>
+          <a:effectRef idx="0">
+            <a:schemeClr val="accent1"/>
+          </a:effectRef>
+          <a:fontRef idx="minor">
+            <a:schemeClr val="tx1"/>
+          </a:fontRef>
+        </p:style>
+      </p:cxnSp>
+      <p:sp>
+        <p:nvSpPr>
+          <p:cNvPr id="49" name="TextBox 48">
+            <a:extLst>
+              <a:ext uri="{FF2B5EF4-FFF2-40B4-BE49-F238E27FC236}">
+                <a16:creationId xmlns:a16="http://schemas.microsoft.com/office/drawing/2014/main" id="{B6A434F1-4241-4824-9DAB-AA7886C474B7}"/>
+              </a:ext>
+            </a:extLst>
+          </p:cNvPr>
+          <p:cNvSpPr txBox="1"/>
+          <p:nvPr/>
+        </p:nvSpPr>
+        <p:spPr>
+          <a:xfrm>
+            <a:off x="3492755" y="2078186"/>
+            <a:ext cx="1899551" cy="215444"/>
+          </a:xfrm>
+          <a:prstGeom prst="rect">
+            <a:avLst/>
+          </a:prstGeom>
+          <a:noFill/>
+        </p:spPr>
+        <p:txBody>
+          <a:bodyPr wrap="square" lIns="0" tIns="0" rIns="0" bIns="0" rtlCol="0">
+            <a:spAutoFit/>
+          </a:bodyPr>
+          <a:lstStyle>
+            <a:defPPr>
+              <a:defRPr lang="en-US"/>
+            </a:defPPr>
+            <a:lvl1pPr algn="r">
+              <a:defRPr sz="1400">
+                <a:solidFill>
+                  <a:srgbClr val="0070C0"/>
+                </a:solidFill>
+              </a:defRPr>
+            </a:lvl1pPr>
+          </a:lstStyle>
+          <a:p>
+            <a:r>
+              <a:rPr lang="en-US" dirty="0"/>
+              <a:t>parse(“1”)</a:t>
+            </a:r>
+          </a:p>
+        </p:txBody>
+      </p:sp>
+      <p:sp>
+        <p:nvSpPr>
+          <p:cNvPr id="50" name="TextBox 49">
+            <a:extLst>
+              <a:ext uri="{FF2B5EF4-FFF2-40B4-BE49-F238E27FC236}">
+                <a16:creationId xmlns:a16="http://schemas.microsoft.com/office/drawing/2014/main" id="{2C00C794-1F4B-4945-B1A3-30C7F5590D84}"/>
+              </a:ext>
+            </a:extLst>
+          </p:cNvPr>
+          <p:cNvSpPr txBox="1"/>
+          <p:nvPr/>
+        </p:nvSpPr>
+        <p:spPr>
+          <a:xfrm>
+            <a:off x="4305265" y="2809151"/>
+            <a:ext cx="855809" cy="215444"/>
+          </a:xfrm>
+          <a:prstGeom prst="rect">
+            <a:avLst/>
+          </a:prstGeom>
+          <a:noFill/>
+        </p:spPr>
+        <p:txBody>
+          <a:bodyPr wrap="square" lIns="0" tIns="0" rIns="0" bIns="0" rtlCol="0">
+            <a:spAutoFit/>
+          </a:bodyPr>
+          <a:lstStyle>
+            <a:defPPr>
+              <a:defRPr lang="en-US"/>
+            </a:defPPr>
+            <a:lvl1pPr algn="r">
+              <a:defRPr sz="1400">
+                <a:solidFill>
+                  <a:srgbClr val="0070C0"/>
+                </a:solidFill>
+              </a:defRPr>
+            </a:lvl1pPr>
+          </a:lstStyle>
+          <a:p>
+            <a:r>
+              <a:rPr lang="en-US" dirty="0"/>
+              <a:t>execute()</a:t>
+            </a:r>
+          </a:p>
+        </p:txBody>
+      </p:sp>
+      <p:cxnSp>
+        <p:nvCxnSpPr>
+          <p:cNvPr id="52" name="Straight Connector 51">
+            <a:extLst>
+              <a:ext uri="{FF2B5EF4-FFF2-40B4-BE49-F238E27FC236}">
+                <a16:creationId xmlns:a16="http://schemas.microsoft.com/office/drawing/2014/main" id="{8F2728B0-78E4-4C9D-B483-91EEEA151E18}"/>
+              </a:ext>
+            </a:extLst>
+          </p:cNvPr>
+          <p:cNvCxnSpPr>
+            <a:cxnSpLocks/>
+            <a:stCxn id="53" idx="0"/>
+          </p:cNvCxnSpPr>
+          <p:nvPr/>
+        </p:nvCxnSpPr>
+        <p:spPr>
+          <a:xfrm flipH="1">
+            <a:off x="7827286" y="2182046"/>
+            <a:ext cx="10613" cy="3382979"/>
+          </a:xfrm>
+          <a:prstGeom prst="line">
+            <a:avLst/>
+          </a:prstGeom>
+          <a:ln w="19050">
+            <a:solidFill>
+              <a:srgbClr val="0070C0"/>
+            </a:solidFill>
+            <a:prstDash val="sysDash"/>
+          </a:ln>
+          <a:effectLst/>
+        </p:spPr>
+        <p:style>
+          <a:lnRef idx="1">
+            <a:schemeClr val="accent1"/>
+          </a:lnRef>
+          <a:fillRef idx="2">
+            <a:schemeClr val="accent1"/>
+          </a:fillRef>
+          <a:effectRef idx="1">
+            <a:schemeClr val="accent1"/>
+          </a:effectRef>
+          <a:fontRef idx="minor">
+            <a:schemeClr val="dk1"/>
+          </a:fontRef>
+        </p:style>
+      </p:cxnSp>
+      <p:sp>
+        <p:nvSpPr>
+          <p:cNvPr id="53" name="Rectangle 52">
+            <a:extLst>
+              <a:ext uri="{FF2B5EF4-FFF2-40B4-BE49-F238E27FC236}">
+                <a16:creationId xmlns:a16="http://schemas.microsoft.com/office/drawing/2014/main" id="{9C6176D4-E3AA-4CAF-9345-8FA76CB6060A}"/>
+              </a:ext>
+            </a:extLst>
+          </p:cNvPr>
+          <p:cNvSpPr/>
+          <p:nvPr/>
+        </p:nvSpPr>
+        <p:spPr>
+          <a:xfrm>
+            <a:off x="7783960" y="2182046"/>
+            <a:ext cx="107878" cy="461527"/>
+          </a:xfrm>
+          <a:prstGeom prst="rect">
+            <a:avLst/>
+          </a:prstGeom>
+          <a:solidFill>
+            <a:srgbClr val="0070C0"/>
+          </a:solidFill>
+          <a:ln>
+            <a:solidFill>
+              <a:srgbClr val="0070C0"/>
+            </a:solidFill>
+          </a:ln>
+          <a:effectLst/>
+        </p:spPr>
+        <p:style>
+          <a:lnRef idx="1">
+            <a:schemeClr val="accent3"/>
+          </a:lnRef>
+          <a:fillRef idx="2">
+            <a:schemeClr val="accent3"/>
+          </a:fillRef>
+          <a:effectRef idx="1">
+            <a:schemeClr val="accent3"/>
+          </a:effectRef>
+          <a:fontRef idx="minor">
+            <a:schemeClr val="dk1"/>
+          </a:fontRef>
+        </p:style>
+        <p:txBody>
+          <a:bodyPr rtlCol="0" anchor="ctr"/>
+          <a:lstStyle/>
+          <a:p>
+            <a:pPr algn="ctr"/>
+            <a:endParaRPr lang="en-SG" sz="1400"/>
+          </a:p>
+        </p:txBody>
+      </p:sp>
+      <p:cxnSp>
+        <p:nvCxnSpPr>
+          <p:cNvPr id="55" name="Straight Arrow Connector 54">
+            <a:extLst>
+              <a:ext uri="{FF2B5EF4-FFF2-40B4-BE49-F238E27FC236}">
+                <a16:creationId xmlns:a16="http://schemas.microsoft.com/office/drawing/2014/main" id="{F4E31293-771E-4C8B-A49A-E2457AAEFAF9}"/>
+              </a:ext>
+            </a:extLst>
+          </p:cNvPr>
+          <p:cNvCxnSpPr>
+            <a:cxnSpLocks/>
+          </p:cNvCxnSpPr>
+          <p:nvPr/>
+        </p:nvCxnSpPr>
+        <p:spPr>
+          <a:xfrm>
+            <a:off x="5688895" y="2648316"/>
+            <a:ext cx="2046353" cy="0"/>
+          </a:xfrm>
+          <a:prstGeom prst="straightConnector1">
+            <a:avLst/>
+          </a:prstGeom>
+          <a:ln w="19050">
+            <a:solidFill>
+              <a:srgbClr val="0070C0"/>
+            </a:solidFill>
+            <a:prstDash val="sysDash"/>
+            <a:headEnd type="arrow" w="med" len="med"/>
+            <a:tailEnd type="none" w="med" len="med"/>
+          </a:ln>
+        </p:spPr>
+        <p:style>
+          <a:lnRef idx="1">
+            <a:schemeClr val="accent1"/>
+          </a:lnRef>
+          <a:fillRef idx="0">
+            <a:schemeClr val="accent1"/>
+          </a:fillRef>
+          <a:effectRef idx="0">
+            <a:schemeClr val="accent1"/>
+          </a:effectRef>
+          <a:fontRef idx="minor">
+            <a:schemeClr val="tx1"/>
+          </a:fontRef>
+        </p:style>
+      </p:cxnSp>
+      <p:sp>
+        <p:nvSpPr>
+          <p:cNvPr id="58" name="Rectangle 62">
+            <a:extLst>
+              <a:ext uri="{FF2B5EF4-FFF2-40B4-BE49-F238E27FC236}">
+                <a16:creationId xmlns:a16="http://schemas.microsoft.com/office/drawing/2014/main" id="{74EF244C-2B59-42AA-9405-E299D39AADE5}"/>
+              </a:ext>
+            </a:extLst>
+          </p:cNvPr>
+          <p:cNvSpPr/>
+          <p:nvPr/>
+        </p:nvSpPr>
+        <p:spPr>
+          <a:xfrm>
+            <a:off x="6975893" y="1711984"/>
+            <a:ext cx="1650378" cy="461538"/>
+          </a:xfrm>
+          <a:prstGeom prst="rect">
+            <a:avLst/>
+          </a:prstGeom>
+          <a:solidFill>
+            <a:srgbClr val="0070C0"/>
+          </a:solidFill>
+          <a:ln w="19050">
+            <a:solidFill>
+              <a:srgbClr val="0070C0"/>
+            </a:solidFill>
+          </a:ln>
+          <a:effectLst/>
+        </p:spPr>
+        <p:style>
+          <a:lnRef idx="1">
+            <a:schemeClr val="accent2"/>
+          </a:lnRef>
+          <a:fillRef idx="2">
+            <a:schemeClr val="accent2"/>
+          </a:fillRef>
+          <a:effectRef idx="1">
+            <a:schemeClr val="accent2"/>
+          </a:effectRef>
+          <a:fontRef idx="minor">
+            <a:schemeClr val="dk1"/>
+          </a:fontRef>
+        </p:style>
+        <p:txBody>
+          <a:bodyPr rtlCol="0" anchor="ctr"/>
+          <a:lstStyle/>
+          <a:p>
+            <a:pPr algn="ctr"/>
+            <a:r>
+              <a:rPr lang="en-US" sz="1600" dirty="0">
+                <a:solidFill>
+                  <a:schemeClr val="bg1"/>
+                </a:solidFill>
+              </a:rPr>
+              <a:t>:DeleleCommandParser</a:t>
+            </a:r>
+            <a:endParaRPr lang="en-SG" sz="1600" dirty="0">
+              <a:solidFill>
+                <a:schemeClr val="bg1"/>
+              </a:solidFill>
+            </a:endParaRPr>
+          </a:p>
+        </p:txBody>
+      </p:sp>
+      <p:cxnSp>
+        <p:nvCxnSpPr>
+          <p:cNvPr id="61" name="Straight Arrow Connector 60">
+            <a:extLst>
+              <a:ext uri="{FF2B5EF4-FFF2-40B4-BE49-F238E27FC236}">
+                <a16:creationId xmlns:a16="http://schemas.microsoft.com/office/drawing/2014/main" id="{73C7E6A9-9C2C-40E4-9538-194DF873D349}"/>
+              </a:ext>
+            </a:extLst>
+          </p:cNvPr>
+          <p:cNvCxnSpPr>
+            <a:cxnSpLocks/>
+          </p:cNvCxnSpPr>
+          <p:nvPr/>
+        </p:nvCxnSpPr>
+        <p:spPr>
+          <a:xfrm flipV="1">
+            <a:off x="5646022" y="2136878"/>
+            <a:ext cx="1297778" cy="1"/>
+          </a:xfrm>
+          <a:prstGeom prst="straightConnector1">
+            <a:avLst/>
+          </a:prstGeom>
+          <a:ln w="19050">
+            <a:solidFill>
+              <a:srgbClr val="0070C0"/>
+            </a:solidFill>
+            <a:tailEnd type="arrow"/>
+          </a:ln>
+        </p:spPr>
+        <p:style>
+          <a:lnRef idx="1">
+            <a:schemeClr val="accent1"/>
+          </a:lnRef>
+          <a:fillRef idx="0">
+            <a:schemeClr val="accent1"/>
+          </a:fillRef>
+          <a:effectRef idx="0">
+            <a:schemeClr val="accent1"/>
+          </a:effectRef>
+          <a:fontRef idx="minor">
+            <a:schemeClr val="tx1"/>
+          </a:fontRef>
+        </p:style>
+      </p:cxnSp>
+      <p:cxnSp>
+        <p:nvCxnSpPr>
+          <p:cNvPr id="76" name="Straight Arrow Connector 75">
+            <a:extLst>
+              <a:ext uri="{FF2B5EF4-FFF2-40B4-BE49-F238E27FC236}">
+                <a16:creationId xmlns:a16="http://schemas.microsoft.com/office/drawing/2014/main" id="{A43541FD-C7AD-45E8-B6F0-C52BC7A94745}"/>
+              </a:ext>
+            </a:extLst>
+          </p:cNvPr>
+          <p:cNvCxnSpPr>
+            <a:cxnSpLocks/>
+          </p:cNvCxnSpPr>
+          <p:nvPr/>
+        </p:nvCxnSpPr>
+        <p:spPr>
+          <a:xfrm flipV="1">
+            <a:off x="7892785" y="3873950"/>
+            <a:ext cx="1937015" cy="1"/>
+          </a:xfrm>
+          <a:prstGeom prst="straightConnector1">
+            <a:avLst/>
+          </a:prstGeom>
+          <a:ln w="19050">
+            <a:solidFill>
+              <a:srgbClr val="0070C0"/>
+            </a:solidFill>
+            <a:tailEnd type="arrow"/>
+          </a:ln>
+        </p:spPr>
+        <p:style>
+          <a:lnRef idx="1">
+            <a:schemeClr val="accent1"/>
+          </a:lnRef>
+          <a:fillRef idx="0">
+            <a:schemeClr val="accent1"/>
+          </a:fillRef>
+          <a:effectRef idx="0">
+            <a:schemeClr val="accent1"/>
+          </a:effectRef>
+          <a:fontRef idx="minor">
+            <a:schemeClr val="tx1"/>
+          </a:fontRef>
+        </p:style>
+      </p:cxnSp>
+      <p:sp>
+        <p:nvSpPr>
+          <p:cNvPr id="79" name="Rectangle 62">
+            <a:extLst>
+              <a:ext uri="{FF2B5EF4-FFF2-40B4-BE49-F238E27FC236}">
+                <a16:creationId xmlns:a16="http://schemas.microsoft.com/office/drawing/2014/main" id="{BCC890C3-A25D-48E1-881E-21408C5BCDE3}"/>
+              </a:ext>
+            </a:extLst>
+          </p:cNvPr>
+          <p:cNvSpPr/>
+          <p:nvPr/>
+        </p:nvSpPr>
+        <p:spPr>
+          <a:xfrm>
+            <a:off x="9180617" y="2507444"/>
+            <a:ext cx="1219200" cy="467684"/>
+          </a:xfrm>
+          <a:prstGeom prst="rect">
+            <a:avLst/>
+          </a:prstGeom>
+          <a:solidFill>
+            <a:schemeClr val="accent4">
+              <a:lumMod val="60000"/>
+              <a:lumOff val="40000"/>
+            </a:schemeClr>
+          </a:solidFill>
+          <a:ln w="19050">
+            <a:solidFill>
+              <a:schemeClr val="accent4">
+                <a:lumMod val="60000"/>
+                <a:lumOff val="40000"/>
+              </a:schemeClr>
+            </a:solidFill>
+          </a:ln>
+          <a:effectLst/>
+        </p:spPr>
+        <p:style>
+          <a:lnRef idx="1">
+            <a:schemeClr val="accent2"/>
+          </a:lnRef>
+          <a:fillRef idx="2">
+            <a:schemeClr val="accent2"/>
+          </a:fillRef>
+          <a:effectRef idx="1">
+            <a:schemeClr val="accent2"/>
+          </a:effectRef>
+          <a:fontRef idx="minor">
+            <a:schemeClr val="dk1"/>
+          </a:fontRef>
+        </p:style>
+        <p:txBody>
+          <a:bodyPr rtlCol="0" anchor="ctr"/>
+          <a:lstStyle/>
+          <a:p>
+            <a:pPr algn="ctr"/>
+            <a:r>
+              <a:rPr lang="en-US" dirty="0"/>
+              <a:t>:Model</a:t>
+            </a:r>
+            <a:endParaRPr lang="en-SG" dirty="0"/>
+          </a:p>
+        </p:txBody>
+      </p:sp>
+      <p:cxnSp>
+        <p:nvCxnSpPr>
+          <p:cNvPr id="80" name="Straight Connector 79">
+            <a:extLst>
+              <a:ext uri="{FF2B5EF4-FFF2-40B4-BE49-F238E27FC236}">
+                <a16:creationId xmlns:a16="http://schemas.microsoft.com/office/drawing/2014/main" id="{42A2216D-8921-464B-B225-417F8CF6C38D}"/>
+              </a:ext>
+            </a:extLst>
+          </p:cNvPr>
+          <p:cNvCxnSpPr>
+            <a:cxnSpLocks/>
+          </p:cNvCxnSpPr>
+          <p:nvPr/>
+        </p:nvCxnSpPr>
+        <p:spPr>
+          <a:xfrm>
+            <a:off x="9900965" y="3022744"/>
+            <a:ext cx="0" cy="2368983"/>
+          </a:xfrm>
+          <a:prstGeom prst="line">
+            <a:avLst/>
+          </a:prstGeom>
+          <a:ln w="19050">
+            <a:solidFill>
+              <a:schemeClr val="accent4">
+                <a:lumMod val="60000"/>
+                <a:lumOff val="40000"/>
+              </a:schemeClr>
+            </a:solidFill>
+            <a:prstDash val="sysDash"/>
+          </a:ln>
+          <a:effectLst/>
+        </p:spPr>
+        <p:style>
+          <a:lnRef idx="1">
+            <a:schemeClr val="accent1"/>
+          </a:lnRef>
+          <a:fillRef idx="2">
+            <a:schemeClr val="accent1"/>
+          </a:fillRef>
+          <a:effectRef idx="1">
+            <a:schemeClr val="accent1"/>
+          </a:effectRef>
+          <a:fontRef idx="minor">
+            <a:schemeClr val="dk1"/>
+          </a:fontRef>
+        </p:style>
+      </p:cxnSp>
+      <p:sp>
+        <p:nvSpPr>
+          <p:cNvPr id="81" name="Rectangle 80">
+            <a:extLst>
+              <a:ext uri="{FF2B5EF4-FFF2-40B4-BE49-F238E27FC236}">
+                <a16:creationId xmlns:a16="http://schemas.microsoft.com/office/drawing/2014/main" id="{BBB903BD-EDF9-451F-87D4-27930E57B3B9}"/>
+              </a:ext>
+            </a:extLst>
+          </p:cNvPr>
+          <p:cNvSpPr/>
+          <p:nvPr/>
+        </p:nvSpPr>
+        <p:spPr>
+          <a:xfrm flipH="1">
+            <a:off x="9829800" y="3873792"/>
+            <a:ext cx="144994" cy="292320"/>
+          </a:xfrm>
+          <a:prstGeom prst="rect">
+            <a:avLst/>
+          </a:prstGeom>
+          <a:solidFill>
+            <a:schemeClr val="accent4">
+              <a:lumMod val="60000"/>
+              <a:lumOff val="40000"/>
+            </a:schemeClr>
+          </a:solidFill>
+          <a:ln>
+            <a:solidFill>
+              <a:schemeClr val="accent4">
+                <a:lumMod val="60000"/>
+                <a:lumOff val="40000"/>
+              </a:schemeClr>
+            </a:solidFill>
+          </a:ln>
+          <a:effectLst/>
+        </p:spPr>
+        <p:style>
+          <a:lnRef idx="1">
+            <a:schemeClr val="accent3"/>
+          </a:lnRef>
+          <a:fillRef idx="2">
+            <a:schemeClr val="accent3"/>
+          </a:fillRef>
+          <a:effectRef idx="1">
+            <a:schemeClr val="accent3"/>
+          </a:effectRef>
+          <a:fontRef idx="minor">
+            <a:schemeClr val="dk1"/>
+          </a:fontRef>
+        </p:style>
+        <p:txBody>
+          <a:bodyPr rtlCol="0" anchor="ctr"/>
+          <a:lstStyle/>
+          <a:p>
+            <a:pPr algn="ctr"/>
+            <a:endParaRPr lang="en-SG"/>
+          </a:p>
+        </p:txBody>
+      </p:sp>
+      <p:sp>
+        <p:nvSpPr>
+          <p:cNvPr id="82" name="TextBox 81">
+            <a:extLst>
+              <a:ext uri="{FF2B5EF4-FFF2-40B4-BE49-F238E27FC236}">
+                <a16:creationId xmlns:a16="http://schemas.microsoft.com/office/drawing/2014/main" id="{87BC8DC9-5D2E-4B5E-8C6A-6C3A0A98CB12}"/>
+              </a:ext>
+            </a:extLst>
+          </p:cNvPr>
+          <p:cNvSpPr txBox="1"/>
+          <p:nvPr/>
+        </p:nvSpPr>
+        <p:spPr>
+          <a:xfrm>
+            <a:off x="7590686" y="3590905"/>
+            <a:ext cx="1899551" cy="215444"/>
+          </a:xfrm>
+          <a:prstGeom prst="rect">
+            <a:avLst/>
+          </a:prstGeom>
+          <a:noFill/>
+        </p:spPr>
+        <p:txBody>
+          <a:bodyPr wrap="square" lIns="0" tIns="0" rIns="0" bIns="0" rtlCol="0">
+            <a:spAutoFit/>
+          </a:bodyPr>
+          <a:lstStyle>
+            <a:defPPr>
+              <a:defRPr lang="en-US"/>
+            </a:defPPr>
+            <a:lvl1pPr algn="r">
+              <a:defRPr sz="1400">
+                <a:solidFill>
+                  <a:srgbClr val="0070C0"/>
+                </a:solidFill>
+              </a:defRPr>
+            </a:lvl1pPr>
+          </a:lstStyle>
+          <a:p>
+            <a:r>
+              <a:rPr lang="en-US" dirty="0">
+                <a:solidFill>
+                  <a:schemeClr val="accent4">
+                    <a:lumMod val="75000"/>
+                  </a:schemeClr>
+                </a:solidFill>
+              </a:rPr>
+              <a:t>parse(“delete 1”)</a:t>
+            </a:r>
+          </a:p>
+        </p:txBody>
+      </p:sp>
+      <p:cxnSp>
+        <p:nvCxnSpPr>
+          <p:cNvPr id="83" name="Straight Arrow Connector 82">
+            <a:extLst>
+              <a:ext uri="{FF2B5EF4-FFF2-40B4-BE49-F238E27FC236}">
+                <a16:creationId xmlns:a16="http://schemas.microsoft.com/office/drawing/2014/main" id="{101B2B3C-E2E9-41F3-9CE4-D705C9E77A3D}"/>
+              </a:ext>
+            </a:extLst>
+          </p:cNvPr>
+          <p:cNvCxnSpPr>
+            <a:cxnSpLocks/>
+          </p:cNvCxnSpPr>
+          <p:nvPr/>
+        </p:nvCxnSpPr>
+        <p:spPr>
+          <a:xfrm>
+            <a:off x="7891838" y="4166111"/>
+            <a:ext cx="2046353" cy="0"/>
+          </a:xfrm>
+          <a:prstGeom prst="straightConnector1">
+            <a:avLst/>
+          </a:prstGeom>
+          <a:ln w="19050">
+            <a:solidFill>
+              <a:schemeClr val="accent4">
+                <a:lumMod val="60000"/>
+                <a:lumOff val="40000"/>
+              </a:schemeClr>
+            </a:solidFill>
+            <a:prstDash val="sysDash"/>
+            <a:headEnd type="arrow" w="med" len="med"/>
+            <a:tailEnd type="none" w="med" len="med"/>
+          </a:ln>
+        </p:spPr>
+        <p:style>
+          <a:lnRef idx="1">
+            <a:schemeClr val="accent1"/>
+          </a:lnRef>
+          <a:fillRef idx="0">
+            <a:schemeClr val="accent1"/>
+          </a:fillRef>
+          <a:effectRef idx="0">
+            <a:schemeClr val="accent1"/>
+          </a:effectRef>
+          <a:fontRef idx="minor">
+            <a:schemeClr val="tx1"/>
+          </a:fontRef>
+        </p:style>
+      </p:cxnSp>
+      <p:sp>
+        <p:nvSpPr>
+          <p:cNvPr id="84" name="Rectangle 83">
+            <a:extLst>
+              <a:ext uri="{FF2B5EF4-FFF2-40B4-BE49-F238E27FC236}">
+                <a16:creationId xmlns:a16="http://schemas.microsoft.com/office/drawing/2014/main" id="{D1478599-67A8-4C28-8785-834B780F3F66}"/>
+              </a:ext>
+            </a:extLst>
+          </p:cNvPr>
+          <p:cNvSpPr/>
+          <p:nvPr/>
+        </p:nvSpPr>
+        <p:spPr>
+          <a:xfrm>
+            <a:off x="9031276" y="4724400"/>
+            <a:ext cx="107878" cy="461527"/>
+          </a:xfrm>
+          <a:prstGeom prst="rect">
+            <a:avLst/>
+          </a:prstGeom>
+          <a:solidFill>
+            <a:srgbClr val="0070C0"/>
+          </a:solidFill>
+          <a:ln>
+            <a:solidFill>
+              <a:srgbClr val="0070C0"/>
+            </a:solidFill>
+          </a:ln>
+          <a:effectLst/>
+        </p:spPr>
+        <p:style>
+          <a:lnRef idx="1">
+            <a:schemeClr val="accent3"/>
+          </a:lnRef>
+          <a:fillRef idx="2">
+            <a:schemeClr val="accent3"/>
+          </a:fillRef>
+          <a:effectRef idx="1">
+            <a:schemeClr val="accent3"/>
+          </a:effectRef>
+          <a:fontRef idx="minor">
+            <a:schemeClr val="dk1"/>
+          </a:fontRef>
+        </p:style>
+        <p:txBody>
+          <a:bodyPr rtlCol="0" anchor="ctr"/>
+          <a:lstStyle/>
+          <a:p>
+            <a:pPr algn="ctr"/>
+            <a:endParaRPr lang="en-SG" sz="1400"/>
+          </a:p>
+        </p:txBody>
+      </p:sp>
+      <p:cxnSp>
+        <p:nvCxnSpPr>
+          <p:cNvPr id="85" name="Straight Arrow Connector 84">
+            <a:extLst>
+              <a:ext uri="{FF2B5EF4-FFF2-40B4-BE49-F238E27FC236}">
+                <a16:creationId xmlns:a16="http://schemas.microsoft.com/office/drawing/2014/main" id="{7D5B4D4F-AC87-4B5D-9748-EA1277BBE0D1}"/>
+              </a:ext>
+            </a:extLst>
+          </p:cNvPr>
+          <p:cNvCxnSpPr>
+            <a:cxnSpLocks/>
+          </p:cNvCxnSpPr>
+          <p:nvPr/>
+        </p:nvCxnSpPr>
+        <p:spPr>
+          <a:xfrm>
+            <a:off x="7891837" y="5181600"/>
+            <a:ext cx="1252163" cy="0"/>
+          </a:xfrm>
+          <a:prstGeom prst="straightConnector1">
+            <a:avLst/>
+          </a:prstGeom>
+          <a:ln w="19050">
+            <a:solidFill>
+              <a:srgbClr val="0070C0"/>
+            </a:solidFill>
+            <a:prstDash val="sysDash"/>
+            <a:headEnd type="arrow" w="med" len="med"/>
+            <a:tailEnd type="none" w="med" len="med"/>
+          </a:ln>
+        </p:spPr>
+        <p:style>
+          <a:lnRef idx="1">
+            <a:schemeClr val="accent1"/>
+          </a:lnRef>
+          <a:fillRef idx="0">
+            <a:schemeClr val="accent1"/>
+          </a:fillRef>
+          <a:effectRef idx="0">
+            <a:schemeClr val="accent1"/>
+          </a:effectRef>
+          <a:fontRef idx="minor">
+            <a:schemeClr val="tx1"/>
+          </a:fontRef>
+        </p:style>
+      </p:cxnSp>
+      <p:sp>
+        <p:nvSpPr>
+          <p:cNvPr id="86" name="Rectangle 62">
+            <a:extLst>
+              <a:ext uri="{FF2B5EF4-FFF2-40B4-BE49-F238E27FC236}">
+                <a16:creationId xmlns:a16="http://schemas.microsoft.com/office/drawing/2014/main" id="{62E4394B-CD67-47BC-A8AE-D756AECB9083}"/>
+              </a:ext>
+            </a:extLst>
+          </p:cNvPr>
+          <p:cNvSpPr/>
+          <p:nvPr/>
+        </p:nvSpPr>
+        <p:spPr>
+          <a:xfrm>
+            <a:off x="8518665" y="4288832"/>
+            <a:ext cx="1111309" cy="750821"/>
+          </a:xfrm>
+          <a:prstGeom prst="rect">
+            <a:avLst/>
+          </a:prstGeom>
+          <a:solidFill>
+            <a:srgbClr val="0070C0"/>
+          </a:solidFill>
+          <a:ln w="19050">
+            <a:solidFill>
+              <a:srgbClr val="0070C0"/>
+            </a:solidFill>
+          </a:ln>
+          <a:effectLst/>
+        </p:spPr>
+        <p:style>
+          <a:lnRef idx="1">
+            <a:schemeClr val="accent2"/>
+          </a:lnRef>
+          <a:fillRef idx="2">
+            <a:schemeClr val="accent2"/>
+          </a:fillRef>
+          <a:effectRef idx="1">
+            <a:schemeClr val="accent2"/>
+          </a:effectRef>
+          <a:fontRef idx="minor">
+            <a:schemeClr val="dk1"/>
+          </a:fontRef>
+        </p:style>
+        <p:txBody>
+          <a:bodyPr rtlCol="0" anchor="ctr"/>
+          <a:lstStyle/>
+          <a:p>
+            <a:pPr algn="ctr"/>
+            <a:r>
+              <a:rPr lang="en-US" sz="1600" dirty="0">
+                <a:solidFill>
+                  <a:schemeClr val="bg1"/>
+                </a:solidFill>
+              </a:rPr>
+              <a:t>result: </a:t>
+            </a:r>
+            <a:r>
+              <a:rPr lang="en-US" sz="1600" dirty="0" err="1">
+                <a:solidFill>
+                  <a:schemeClr val="bg1"/>
+                </a:solidFill>
+              </a:rPr>
+              <a:t>CommandResult</a:t>
+            </a:r>
+            <a:endParaRPr lang="en-SG" sz="1600" dirty="0">
+              <a:solidFill>
+                <a:schemeClr val="bg1"/>
+              </a:solidFill>
+            </a:endParaRPr>
+          </a:p>
+        </p:txBody>
+      </p:sp>
+      <p:cxnSp>
+        <p:nvCxnSpPr>
+          <p:cNvPr id="87" name="Straight Arrow Connector 86">
+            <a:extLst>
+              <a:ext uri="{FF2B5EF4-FFF2-40B4-BE49-F238E27FC236}">
+                <a16:creationId xmlns:a16="http://schemas.microsoft.com/office/drawing/2014/main" id="{7A5DF4E6-0F21-4A71-930E-F29C97F569A0}"/>
+              </a:ext>
+            </a:extLst>
+          </p:cNvPr>
+          <p:cNvCxnSpPr>
+            <a:cxnSpLocks/>
+          </p:cNvCxnSpPr>
+          <p:nvPr/>
+        </p:nvCxnSpPr>
+        <p:spPr>
+          <a:xfrm flipV="1">
+            <a:off x="7900347" y="4664242"/>
+            <a:ext cx="581093" cy="1"/>
+          </a:xfrm>
+          <a:prstGeom prst="straightConnector1">
+            <a:avLst/>
+          </a:prstGeom>
+          <a:ln w="19050">
+            <a:solidFill>
+              <a:srgbClr val="0070C0"/>
+            </a:solidFill>
+            <a:tailEnd type="arrow"/>
+          </a:ln>
+        </p:spPr>
+        <p:style>
+          <a:lnRef idx="1">
+            <a:schemeClr val="accent1"/>
+          </a:lnRef>
+          <a:fillRef idx="0">
+            <a:schemeClr val="accent1"/>
+          </a:fillRef>
+          <a:effectRef idx="0">
+            <a:schemeClr val="accent1"/>
+          </a:effectRef>
+          <a:fontRef idx="minor">
+            <a:schemeClr val="tx1"/>
+          </a:fontRef>
+        </p:style>
+      </p:cxnSp>
+    </p:spTree>
+    <p:extLst>
+      <p:ext uri="{BB962C8B-B14F-4D97-AF65-F5344CB8AC3E}">
+        <p14:creationId xmlns:p14="http://schemas.microsoft.com/office/powerpoint/2010/main" val="3490230958"/>
       </p:ext>
     </p:extLst>
   </p:cSld>
